--- a/ASP.NetCore/Chapter 5/Presentation/DDL.pptx
+++ b/ASP.NetCore/Chapter 5/Presentation/DDL.pptx
@@ -286,7 +286,7 @@
       <p15:sldGuideLst xmlns:p15="http://schemas.microsoft.com/office/powerpoint/2012/main"/>
     </p:ext>
     <p:ext uri="GoogleSlidesCustomDataVersion2">
-      <go:slidesCustomData xmlns="" xmlns:mc="http://schemas.openxmlformats.org/markup-compatibility/2006" xmlns:mv="urn:schemas-microsoft-com:mac:vml" xmlns:c="http://schemas.openxmlformats.org/drawingml/2006/chart" xmlns:dgm="http://schemas.openxmlformats.org/drawingml/2006/diagram" xmlns:o="urn:schemas-microsoft-com:office:office" xmlns:v="urn:schemas-microsoft-com:vml" xmlns:pvml="urn:schemas-microsoft-com:office:powerpoint" xmlns:com="http://schemas.openxmlformats.org/drawingml/2006/compatibility" xmlns:p14="http://schemas.microsoft.com/office/powerpoint/2010/main" xmlns:p15="http://schemas.microsoft.com/office/powerpoint/2012/main" xmlns:ahyp="http://schemas.microsoft.com/office/drawing/2018/hyperlinkcolor" xmlns:go="http://customooxmlschemas.google.com/" r:id="rId33" roundtripDataSignature="AMtx7miNZo/BdzzlUGKVgEqo3rnNWlpsbw=="/>
+      <go:slidesCustomData xmlns:go="http://customooxmlschemas.google.com/" xmlns:ahyp="http://schemas.microsoft.com/office/drawing/2018/hyperlinkcolor" xmlns:p15="http://schemas.microsoft.com/office/powerpoint/2012/main" xmlns:p14="http://schemas.microsoft.com/office/powerpoint/2010/main" xmlns:com="http://schemas.openxmlformats.org/drawingml/2006/compatibility" xmlns:pvml="urn:schemas-microsoft-com:office:powerpoint" xmlns:v="urn:schemas-microsoft-com:vml" xmlns:o="urn:schemas-microsoft-com:office:office" xmlns:dgm="http://schemas.openxmlformats.org/drawingml/2006/diagram" xmlns:c="http://schemas.openxmlformats.org/drawingml/2006/chart" xmlns:mv="urn:schemas-microsoft-com:mac:vml" xmlns:mc="http://schemas.openxmlformats.org/markup-compatibility/2006" xmlns="" r:id="rId33" roundtripDataSignature="AMtx7miNZo/BdzzlUGKVgEqo3rnNWlpsbw=="/>
     </p:ext>
   </p:extLst>
 </p:presentation>
@@ -1844,11 +1844,11 @@
               <a:buNone/>
             </a:pPr>
             <a:r>
-              <a:rPr lang="en-US"/>
+              <a:rPr lang="en-US" dirty="0"/>
               <a:t>Let’s talk with DDL.</a:t>
             </a:r>
             <a:r>
-              <a:rPr lang="en-US" sz="1200">
+              <a:rPr lang="en-US" sz="1200" dirty="0">
                 <a:solidFill>
                   <a:srgbClr val="0D0D0D"/>
                 </a:solidFill>
@@ -1860,9 +1860,99 @@
                 <a:cs typeface="Roboto"/>
                 <a:sym typeface="Roboto"/>
               </a:rPr>
-              <a:t>DDL commands are subset of SQL Language.DDL are powerful tools for database administrators and developers to manage the structure of a database and ensure it meets the requirements of an application used for defining and managing the structure of a database.DDL, or Data Definition Language, is a set of SQL commands used to define, modify, and delete the structure of a database. It includes commands like CREATE (to create new database objects), ALTER (to modify existing objects), DROP (to delete objects), and others. DDL is crucial for managing the schema of a database and ensuring its integrity and organization.Exactly! You've captured the essence of DDL perfectly. Its primary purpose is indeed to specify the schema or structure of the database and its objects. With DDL, you can define the layout of tables, the relationships between them, constraints, indexes, and other properties that dictate how data is organized and stored in the database.</a:t>
+              <a:t>DDL commands are subset of SQL </a:t>
             </a:r>
-            <a:endParaRPr/>
+            <a:r>
+              <a:rPr lang="en-US" sz="1200" dirty="0" err="1">
+                <a:solidFill>
+                  <a:srgbClr val="0D0D0D"/>
+                </a:solidFill>
+                <a:highlight>
+                  <a:srgbClr val="FFFFFF"/>
+                </a:highlight>
+                <a:latin typeface="Roboto"/>
+                <a:ea typeface="Roboto"/>
+                <a:cs typeface="Roboto"/>
+                <a:sym typeface="Roboto"/>
+              </a:rPr>
+              <a:t>Language.DDL</a:t>
+            </a:r>
+            <a:r>
+              <a:rPr lang="en-US" sz="1200" dirty="0">
+                <a:solidFill>
+                  <a:srgbClr val="0D0D0D"/>
+                </a:solidFill>
+                <a:highlight>
+                  <a:srgbClr val="FFFFFF"/>
+                </a:highlight>
+                <a:latin typeface="Roboto"/>
+                <a:ea typeface="Roboto"/>
+                <a:cs typeface="Roboto"/>
+                <a:sym typeface="Roboto"/>
+              </a:rPr>
+              <a:t> are powerful tools for database administrators and developers to manage the structure of a database and ensure it meets the requirements of an application used for defining and managing the structure of a </a:t>
+            </a:r>
+            <a:r>
+              <a:rPr lang="en-US" sz="1200" dirty="0" err="1">
+                <a:solidFill>
+                  <a:srgbClr val="0D0D0D"/>
+                </a:solidFill>
+                <a:highlight>
+                  <a:srgbClr val="FFFFFF"/>
+                </a:highlight>
+                <a:latin typeface="Roboto"/>
+                <a:ea typeface="Roboto"/>
+                <a:cs typeface="Roboto"/>
+                <a:sym typeface="Roboto"/>
+              </a:rPr>
+              <a:t>database.DDL</a:t>
+            </a:r>
+            <a:r>
+              <a:rPr lang="en-US" sz="1200" dirty="0">
+                <a:solidFill>
+                  <a:srgbClr val="0D0D0D"/>
+                </a:solidFill>
+                <a:highlight>
+                  <a:srgbClr val="FFFFFF"/>
+                </a:highlight>
+                <a:latin typeface="Roboto"/>
+                <a:ea typeface="Roboto"/>
+                <a:cs typeface="Roboto"/>
+                <a:sym typeface="Roboto"/>
+              </a:rPr>
+              <a:t>, or Data Definition Language, is a set of SQL commands used to define, modify, and delete the structure of a database. It includes commands like CREATE (to create new database objects), ALTER (to modify existing objects), DROP (to delete objects), and others. DDL is crucial for managing the schema of a database and ensuring its integrity and </a:t>
+            </a:r>
+            <a:r>
+              <a:rPr lang="en-US" sz="1200" dirty="0" err="1">
+                <a:solidFill>
+                  <a:srgbClr val="0D0D0D"/>
+                </a:solidFill>
+                <a:highlight>
+                  <a:srgbClr val="FFFFFF"/>
+                </a:highlight>
+                <a:latin typeface="Roboto"/>
+                <a:ea typeface="Roboto"/>
+                <a:cs typeface="Roboto"/>
+                <a:sym typeface="Roboto"/>
+              </a:rPr>
+              <a:t>organization.Exactly</a:t>
+            </a:r>
+            <a:r>
+              <a:rPr lang="en-US" sz="1200" dirty="0">
+                <a:solidFill>
+                  <a:srgbClr val="0D0D0D"/>
+                </a:solidFill>
+                <a:highlight>
+                  <a:srgbClr val="FFFFFF"/>
+                </a:highlight>
+                <a:latin typeface="Roboto"/>
+                <a:ea typeface="Roboto"/>
+                <a:cs typeface="Roboto"/>
+                <a:sym typeface="Roboto"/>
+              </a:rPr>
+              <a:t>! You've captured the essence of DDL perfectly. Its primary purpose is indeed to specify the schema or structure of the database and its objects. With DDL, you can define the layout of tables, the relationships between them, constraints, indexes, and other properties that dictate how data is organized and stored in the database.</a:t>
+            </a:r>
+            <a:endParaRPr dirty="0"/>
           </a:p>
         </p:txBody>
       </p:sp>
@@ -1878,8 +1968,8 @@
         </p:nvSpPr>
         <p:spPr>
           <a:xfrm>
-            <a:off x="1143225" y="685800"/>
-            <a:ext cx="4572225" cy="3429000"/>
+            <a:off x="381000" y="685800"/>
+            <a:ext cx="6096000" cy="3429000"/>
           </a:xfrm>
           <a:custGeom>
             <a:avLst/>
@@ -2206,7 +2296,7 @@
               </a:spcAft>
               <a:buNone/>
             </a:pPr>
-            <a:endParaRPr/>
+            <a:endParaRPr dirty="0"/>
           </a:p>
         </p:txBody>
       </p:sp>
@@ -13217,7 +13307,7 @@
         <p:push/>
       </p:transition>
     </mc:Choice>
-    <mc:Fallback xmlns="" xmlns:mv="urn:schemas-microsoft-com:mac:vml" xmlns:c="http://schemas.openxmlformats.org/drawingml/2006/chart" xmlns:dgm="http://schemas.openxmlformats.org/drawingml/2006/diagram" xmlns:o="urn:schemas-microsoft-com:office:office" xmlns:v="urn:schemas-microsoft-com:vml" xmlns:pvml="urn:schemas-microsoft-com:office:powerpoint" xmlns:com="http://schemas.openxmlformats.org/drawingml/2006/compatibility" xmlns:p15="http://schemas.microsoft.com/office/powerpoint/2012/main" xmlns:ahyp="http://schemas.microsoft.com/office/drawing/2018/hyperlinkcolor">
+    <mc:Fallback xmlns:ahyp="http://schemas.microsoft.com/office/drawing/2018/hyperlinkcolor" xmlns:p15="http://schemas.microsoft.com/office/powerpoint/2012/main" xmlns:com="http://schemas.openxmlformats.org/drawingml/2006/compatibility" xmlns:pvml="urn:schemas-microsoft-com:office:powerpoint" xmlns:v="urn:schemas-microsoft-com:vml" xmlns:o="urn:schemas-microsoft-com:office:office" xmlns:dgm="http://schemas.openxmlformats.org/drawingml/2006/diagram" xmlns:c="http://schemas.openxmlformats.org/drawingml/2006/chart" xmlns:mv="urn:schemas-microsoft-com:mac:vml" xmlns="">
       <p:transition spd="slow">
         <p:fade/>
       </p:transition>
@@ -13580,7 +13670,7 @@
         <p:push/>
       </p:transition>
     </mc:Choice>
-    <mc:Fallback xmlns="" xmlns:mv="urn:schemas-microsoft-com:mac:vml" xmlns:c="http://schemas.openxmlformats.org/drawingml/2006/chart" xmlns:dgm="http://schemas.openxmlformats.org/drawingml/2006/diagram" xmlns:o="urn:schemas-microsoft-com:office:office" xmlns:v="urn:schemas-microsoft-com:vml" xmlns:pvml="urn:schemas-microsoft-com:office:powerpoint" xmlns:com="http://schemas.openxmlformats.org/drawingml/2006/compatibility" xmlns:p15="http://schemas.microsoft.com/office/powerpoint/2012/main" xmlns:ahyp="http://schemas.microsoft.com/office/drawing/2018/hyperlinkcolor">
+    <mc:Fallback xmlns:ahyp="http://schemas.microsoft.com/office/drawing/2018/hyperlinkcolor" xmlns:p15="http://schemas.microsoft.com/office/powerpoint/2012/main" xmlns:com="http://schemas.openxmlformats.org/drawingml/2006/compatibility" xmlns:pvml="urn:schemas-microsoft-com:office:powerpoint" xmlns:v="urn:schemas-microsoft-com:vml" xmlns:o="urn:schemas-microsoft-com:office:office" xmlns:dgm="http://schemas.openxmlformats.org/drawingml/2006/diagram" xmlns:c="http://schemas.openxmlformats.org/drawingml/2006/chart" xmlns:mv="urn:schemas-microsoft-com:mac:vml" xmlns="">
       <p:transition spd="slow">
         <p:fade/>
       </p:transition>
@@ -14194,7 +14284,7 @@
         <p:push/>
       </p:transition>
     </mc:Choice>
-    <mc:Fallback xmlns="" xmlns:mv="urn:schemas-microsoft-com:mac:vml" xmlns:c="http://schemas.openxmlformats.org/drawingml/2006/chart" xmlns:dgm="http://schemas.openxmlformats.org/drawingml/2006/diagram" xmlns:o="urn:schemas-microsoft-com:office:office" xmlns:v="urn:schemas-microsoft-com:vml" xmlns:pvml="urn:schemas-microsoft-com:office:powerpoint" xmlns:com="http://schemas.openxmlformats.org/drawingml/2006/compatibility" xmlns:p15="http://schemas.microsoft.com/office/powerpoint/2012/main" xmlns:ahyp="http://schemas.microsoft.com/office/drawing/2018/hyperlinkcolor">
+    <mc:Fallback xmlns:ahyp="http://schemas.microsoft.com/office/drawing/2018/hyperlinkcolor" xmlns:p15="http://schemas.microsoft.com/office/powerpoint/2012/main" xmlns:com="http://schemas.openxmlformats.org/drawingml/2006/compatibility" xmlns:pvml="urn:schemas-microsoft-com:office:powerpoint" xmlns:v="urn:schemas-microsoft-com:vml" xmlns:o="urn:schemas-microsoft-com:office:office" xmlns:dgm="http://schemas.openxmlformats.org/drawingml/2006/diagram" xmlns:c="http://schemas.openxmlformats.org/drawingml/2006/chart" xmlns:mv="urn:schemas-microsoft-com:mac:vml" xmlns="">
       <p:transition spd="slow">
         <p:fade/>
       </p:transition>
@@ -14901,7 +14991,7 @@
         <p:push/>
       </p:transition>
     </mc:Choice>
-    <mc:Fallback xmlns="" xmlns:mv="urn:schemas-microsoft-com:mac:vml" xmlns:c="http://schemas.openxmlformats.org/drawingml/2006/chart" xmlns:dgm="http://schemas.openxmlformats.org/drawingml/2006/diagram" xmlns:o="urn:schemas-microsoft-com:office:office" xmlns:v="urn:schemas-microsoft-com:vml" xmlns:pvml="urn:schemas-microsoft-com:office:powerpoint" xmlns:com="http://schemas.openxmlformats.org/drawingml/2006/compatibility" xmlns:p15="http://schemas.microsoft.com/office/powerpoint/2012/main" xmlns:ahyp="http://schemas.microsoft.com/office/drawing/2018/hyperlinkcolor">
+    <mc:Fallback xmlns:ahyp="http://schemas.microsoft.com/office/drawing/2018/hyperlinkcolor" xmlns:p15="http://schemas.microsoft.com/office/powerpoint/2012/main" xmlns:com="http://schemas.openxmlformats.org/drawingml/2006/compatibility" xmlns:pvml="urn:schemas-microsoft-com:office:powerpoint" xmlns:v="urn:schemas-microsoft-com:vml" xmlns:o="urn:schemas-microsoft-com:office:office" xmlns:dgm="http://schemas.openxmlformats.org/drawingml/2006/diagram" xmlns:c="http://schemas.openxmlformats.org/drawingml/2006/chart" xmlns:mv="urn:schemas-microsoft-com:mac:vml" xmlns="">
       <p:transition spd="slow">
         <p:fade/>
       </p:transition>
@@ -15883,7 +15973,7 @@
         <p:push/>
       </p:transition>
     </mc:Choice>
-    <mc:Fallback xmlns="" xmlns:mv="urn:schemas-microsoft-com:mac:vml" xmlns:c="http://schemas.openxmlformats.org/drawingml/2006/chart" xmlns:dgm="http://schemas.openxmlformats.org/drawingml/2006/diagram" xmlns:o="urn:schemas-microsoft-com:office:office" xmlns:v="urn:schemas-microsoft-com:vml" xmlns:pvml="urn:schemas-microsoft-com:office:powerpoint" xmlns:com="http://schemas.openxmlformats.org/drawingml/2006/compatibility" xmlns:p15="http://schemas.microsoft.com/office/powerpoint/2012/main" xmlns:ahyp="http://schemas.microsoft.com/office/drawing/2018/hyperlinkcolor">
+    <mc:Fallback xmlns:ahyp="http://schemas.microsoft.com/office/drawing/2018/hyperlinkcolor" xmlns:p15="http://schemas.microsoft.com/office/powerpoint/2012/main" xmlns:com="http://schemas.openxmlformats.org/drawingml/2006/compatibility" xmlns:pvml="urn:schemas-microsoft-com:office:powerpoint" xmlns:v="urn:schemas-microsoft-com:vml" xmlns:o="urn:schemas-microsoft-com:office:office" xmlns:dgm="http://schemas.openxmlformats.org/drawingml/2006/diagram" xmlns:c="http://schemas.openxmlformats.org/drawingml/2006/chart" xmlns:mv="urn:schemas-microsoft-com:mac:vml" xmlns="">
       <p:transition spd="slow">
         <p:fade/>
       </p:transition>
@@ -17005,7 +17095,7 @@
         <p:push/>
       </p:transition>
     </mc:Choice>
-    <mc:Fallback xmlns="" xmlns:mv="urn:schemas-microsoft-com:mac:vml" xmlns:c="http://schemas.openxmlformats.org/drawingml/2006/chart" xmlns:dgm="http://schemas.openxmlformats.org/drawingml/2006/diagram" xmlns:o="urn:schemas-microsoft-com:office:office" xmlns:v="urn:schemas-microsoft-com:vml" xmlns:pvml="urn:schemas-microsoft-com:office:powerpoint" xmlns:com="http://schemas.openxmlformats.org/drawingml/2006/compatibility" xmlns:p15="http://schemas.microsoft.com/office/powerpoint/2012/main" xmlns:ahyp="http://schemas.microsoft.com/office/drawing/2018/hyperlinkcolor">
+    <mc:Fallback xmlns:ahyp="http://schemas.microsoft.com/office/drawing/2018/hyperlinkcolor" xmlns:p15="http://schemas.microsoft.com/office/powerpoint/2012/main" xmlns:com="http://schemas.openxmlformats.org/drawingml/2006/compatibility" xmlns:pvml="urn:schemas-microsoft-com:office:powerpoint" xmlns:v="urn:schemas-microsoft-com:vml" xmlns:o="urn:schemas-microsoft-com:office:office" xmlns:dgm="http://schemas.openxmlformats.org/drawingml/2006/diagram" xmlns:c="http://schemas.openxmlformats.org/drawingml/2006/chart" xmlns:mv="urn:schemas-microsoft-com:mac:vml" xmlns="">
       <p:transition spd="slow">
         <p:fade/>
       </p:transition>
@@ -18127,7 +18217,7 @@
         <p:push/>
       </p:transition>
     </mc:Choice>
-    <mc:Fallback xmlns="" xmlns:mv="urn:schemas-microsoft-com:mac:vml" xmlns:c="http://schemas.openxmlformats.org/drawingml/2006/chart" xmlns:dgm="http://schemas.openxmlformats.org/drawingml/2006/diagram" xmlns:o="urn:schemas-microsoft-com:office:office" xmlns:v="urn:schemas-microsoft-com:vml" xmlns:pvml="urn:schemas-microsoft-com:office:powerpoint" xmlns:com="http://schemas.openxmlformats.org/drawingml/2006/compatibility" xmlns:p15="http://schemas.microsoft.com/office/powerpoint/2012/main" xmlns:ahyp="http://schemas.microsoft.com/office/drawing/2018/hyperlinkcolor">
+    <mc:Fallback xmlns:ahyp="http://schemas.microsoft.com/office/drawing/2018/hyperlinkcolor" xmlns:p15="http://schemas.microsoft.com/office/powerpoint/2012/main" xmlns:com="http://schemas.openxmlformats.org/drawingml/2006/compatibility" xmlns:pvml="urn:schemas-microsoft-com:office:powerpoint" xmlns:v="urn:schemas-microsoft-com:vml" xmlns:o="urn:schemas-microsoft-com:office:office" xmlns:dgm="http://schemas.openxmlformats.org/drawingml/2006/diagram" xmlns:c="http://schemas.openxmlformats.org/drawingml/2006/chart" xmlns:mv="urn:schemas-microsoft-com:mac:vml" xmlns="">
       <p:transition spd="slow">
         <p:fade/>
       </p:transition>
@@ -19377,7 +19467,7 @@
         <p:push/>
       </p:transition>
     </mc:Choice>
-    <mc:Fallback xmlns="" xmlns:mv="urn:schemas-microsoft-com:mac:vml" xmlns:c="http://schemas.openxmlformats.org/drawingml/2006/chart" xmlns:dgm="http://schemas.openxmlformats.org/drawingml/2006/diagram" xmlns:o="urn:schemas-microsoft-com:office:office" xmlns:v="urn:schemas-microsoft-com:vml" xmlns:pvml="urn:schemas-microsoft-com:office:powerpoint" xmlns:com="http://schemas.openxmlformats.org/drawingml/2006/compatibility" xmlns:p15="http://schemas.microsoft.com/office/powerpoint/2012/main" xmlns:ahyp="http://schemas.microsoft.com/office/drawing/2018/hyperlinkcolor">
+    <mc:Fallback xmlns:ahyp="http://schemas.microsoft.com/office/drawing/2018/hyperlinkcolor" xmlns:p15="http://schemas.microsoft.com/office/powerpoint/2012/main" xmlns:com="http://schemas.openxmlformats.org/drawingml/2006/compatibility" xmlns:pvml="urn:schemas-microsoft-com:office:powerpoint" xmlns:v="urn:schemas-microsoft-com:vml" xmlns:o="urn:schemas-microsoft-com:office:office" xmlns:dgm="http://schemas.openxmlformats.org/drawingml/2006/diagram" xmlns:c="http://schemas.openxmlformats.org/drawingml/2006/chart" xmlns:mv="urn:schemas-microsoft-com:mac:vml" xmlns="">
       <p:transition spd="slow">
         <p:fade/>
       </p:transition>
@@ -20531,7 +20621,7 @@
         <p:push/>
       </p:transition>
     </mc:Choice>
-    <mc:Fallback xmlns="" xmlns:mv="urn:schemas-microsoft-com:mac:vml" xmlns:c="http://schemas.openxmlformats.org/drawingml/2006/chart" xmlns:dgm="http://schemas.openxmlformats.org/drawingml/2006/diagram" xmlns:o="urn:schemas-microsoft-com:office:office" xmlns:v="urn:schemas-microsoft-com:vml" xmlns:pvml="urn:schemas-microsoft-com:office:powerpoint" xmlns:com="http://schemas.openxmlformats.org/drawingml/2006/compatibility" xmlns:p15="http://schemas.microsoft.com/office/powerpoint/2012/main" xmlns:ahyp="http://schemas.microsoft.com/office/drawing/2018/hyperlinkcolor">
+    <mc:Fallback xmlns:ahyp="http://schemas.microsoft.com/office/drawing/2018/hyperlinkcolor" xmlns:p15="http://schemas.microsoft.com/office/powerpoint/2012/main" xmlns:com="http://schemas.openxmlformats.org/drawingml/2006/compatibility" xmlns:pvml="urn:schemas-microsoft-com:office:powerpoint" xmlns:v="urn:schemas-microsoft-com:vml" xmlns:o="urn:schemas-microsoft-com:office:office" xmlns:dgm="http://schemas.openxmlformats.org/drawingml/2006/diagram" xmlns:c="http://schemas.openxmlformats.org/drawingml/2006/chart" xmlns:mv="urn:schemas-microsoft-com:mac:vml" xmlns="">
       <p:transition spd="slow">
         <p:fade/>
       </p:transition>
@@ -21008,7 +21098,7 @@
         <p:push/>
       </p:transition>
     </mc:Choice>
-    <mc:Fallback xmlns="" xmlns:mv="urn:schemas-microsoft-com:mac:vml" xmlns:c="http://schemas.openxmlformats.org/drawingml/2006/chart" xmlns:dgm="http://schemas.openxmlformats.org/drawingml/2006/diagram" xmlns:o="urn:schemas-microsoft-com:office:office" xmlns:v="urn:schemas-microsoft-com:vml" xmlns:pvml="urn:schemas-microsoft-com:office:powerpoint" xmlns:com="http://schemas.openxmlformats.org/drawingml/2006/compatibility" xmlns:p15="http://schemas.microsoft.com/office/powerpoint/2012/main" xmlns:ahyp="http://schemas.microsoft.com/office/drawing/2018/hyperlinkcolor">
+    <mc:Fallback xmlns:ahyp="http://schemas.microsoft.com/office/drawing/2018/hyperlinkcolor" xmlns:p15="http://schemas.microsoft.com/office/powerpoint/2012/main" xmlns:com="http://schemas.openxmlformats.org/drawingml/2006/compatibility" xmlns:pvml="urn:schemas-microsoft-com:office:powerpoint" xmlns:v="urn:schemas-microsoft-com:vml" xmlns:o="urn:schemas-microsoft-com:office:office" xmlns:dgm="http://schemas.openxmlformats.org/drawingml/2006/diagram" xmlns:c="http://schemas.openxmlformats.org/drawingml/2006/chart" xmlns:mv="urn:schemas-microsoft-com:mac:vml" xmlns="">
       <p:transition spd="slow">
         <p:fade/>
       </p:transition>
@@ -21149,7 +21239,7 @@
               <a:buSzPts val="1800"/>
               <a:buNone/>
             </a:pPr>
-            <a:endParaRPr sz="1800">
+            <a:endParaRPr sz="1800" dirty="0">
               <a:solidFill>
                 <a:srgbClr val="012D86"/>
               </a:solidFill>
@@ -21172,7 +21262,7 @@
               <a:buSzPts val="1800"/>
               <a:buNone/>
             </a:pPr>
-            <a:endParaRPr sz="1800">
+            <a:endParaRPr sz="1800" dirty="0">
               <a:solidFill>
                 <a:srgbClr val="012D86"/>
               </a:solidFill>
@@ -21195,7 +21285,7 @@
               <a:buSzPts val="1800"/>
               <a:buNone/>
             </a:pPr>
-            <a:endParaRPr sz="1800">
+            <a:endParaRPr sz="1800" dirty="0">
               <a:solidFill>
                 <a:srgbClr val="012D86"/>
               </a:solidFill>
@@ -21218,7 +21308,7 @@
               <a:buSzPts val="1800"/>
               <a:buNone/>
             </a:pPr>
-            <a:endParaRPr sz="1800">
+            <a:endParaRPr sz="1800" dirty="0">
               <a:solidFill>
                 <a:srgbClr val="012D86"/>
               </a:solidFill>
@@ -21241,7 +21331,7 @@
               <a:buSzPts val="1800"/>
               <a:buNone/>
             </a:pPr>
-            <a:endParaRPr sz="1800">
+            <a:endParaRPr sz="1800" dirty="0">
               <a:solidFill>
                 <a:srgbClr val="012D86"/>
               </a:solidFill>
@@ -21264,7 +21354,7 @@
               <a:buSzPts val="1800"/>
               <a:buNone/>
             </a:pPr>
-            <a:endParaRPr sz="1800">
+            <a:endParaRPr sz="1800" dirty="0">
               <a:solidFill>
                 <a:srgbClr val="012D86"/>
               </a:solidFill>
@@ -21287,7 +21377,7 @@
               <a:buSzPts val="1800"/>
               <a:buNone/>
             </a:pPr>
-            <a:endParaRPr sz="1800">
+            <a:endParaRPr sz="1800" dirty="0">
               <a:solidFill>
                 <a:srgbClr val="012D86"/>
               </a:solidFill>
@@ -21384,7 +21474,7 @@
               <a:buNone/>
             </a:pPr>
             <a:r>
-              <a:rPr lang="en-US" sz="1600" b="0" i="0" u="none" strike="noStrike" cap="none">
+              <a:rPr lang="en-US" sz="1600" b="0" i="0" u="none" strike="noStrike" cap="none" dirty="0">
                 <a:solidFill>
                   <a:schemeClr val="lt1"/>
                 </a:solidFill>
@@ -21395,7 +21485,7 @@
               </a:rPr>
               <a:t>DDL stands for Data Definition Language, and it is a subset of SQL</a:t>
             </a:r>
-            <a:endParaRPr sz="1600" b="0" i="0" u="none" strike="noStrike" cap="none">
+            <a:endParaRPr sz="1600" b="0" i="0" u="none" strike="noStrike" cap="none" dirty="0">
               <a:solidFill>
                 <a:schemeClr val="lt1"/>
               </a:solidFill>
@@ -21465,7 +21555,7 @@
               <a:buNone/>
             </a:pPr>
             <a:r>
-              <a:rPr lang="en-US" sz="1600" b="0" i="0" u="none" strike="noStrike" cap="none">
+              <a:rPr lang="en-US" sz="1600" b="0" i="0" u="none" strike="noStrike" cap="none" dirty="0">
                 <a:solidFill>
                   <a:schemeClr val="lt1"/>
                 </a:solidFill>
@@ -21476,7 +21566,7 @@
               </a:rPr>
               <a:t>It is used to define and manage the structure of a database.</a:t>
             </a:r>
-            <a:endParaRPr sz="1600" b="0" i="0" u="none" strike="noStrike" cap="none">
+            <a:endParaRPr sz="1600" b="0" i="0" u="none" strike="noStrike" cap="none" dirty="0">
               <a:solidFill>
                 <a:schemeClr val="lt1"/>
               </a:solidFill>
@@ -21546,7 +21636,7 @@
               <a:buNone/>
             </a:pPr>
             <a:r>
-              <a:rPr lang="en-US" sz="1600" b="0" i="0" u="none" strike="noStrike" cap="none">
+              <a:rPr lang="en-US" sz="1600" b="0" i="0" u="none" strike="noStrike" cap="none" dirty="0">
                 <a:solidFill>
                   <a:schemeClr val="lt1"/>
                 </a:solidFill>
@@ -21557,7 +21647,7 @@
               </a:rPr>
               <a:t>DDL statements are responsible for creating, altering, and deleting database objects such as tables, views, indexes, and constraints. </a:t>
             </a:r>
-            <a:endParaRPr sz="1600" b="0" i="0" u="none" strike="noStrike" cap="none">
+            <a:endParaRPr sz="1600" b="0" i="0" u="none" strike="noStrike" cap="none" dirty="0">
               <a:solidFill>
                 <a:schemeClr val="lt1"/>
               </a:solidFill>
@@ -21604,7 +21694,7 @@
         </p:nvSpPr>
         <p:spPr>
           <a:xfrm>
-            <a:off x="709930" y="4808220"/>
+            <a:off x="786765" y="4808220"/>
             <a:ext cx="5309235" cy="917575"/>
           </a:xfrm>
           <a:prstGeom prst="roundRect">
@@ -21654,7 +21744,7 @@
               <a:buNone/>
             </a:pPr>
             <a:r>
-              <a:rPr lang="en-US" sz="1600" b="0" i="0" u="none" strike="noStrike" cap="none">
+              <a:rPr lang="en-US" sz="1600" b="0" i="0" u="none" strike="noStrike" cap="none" dirty="0">
                 <a:solidFill>
                   <a:schemeClr val="lt1"/>
                 </a:solidFill>
@@ -21665,7 +21755,7 @@
               </a:rPr>
               <a:t>The primary purpose of DDL in SQL is to specify the schema or structure of the database and its objects.</a:t>
             </a:r>
-            <a:endParaRPr sz="1600" b="0" i="0" u="none" strike="noStrike" cap="none">
+            <a:endParaRPr sz="1600" b="0" i="0" u="none" strike="noStrike" cap="none" dirty="0">
               <a:solidFill>
                 <a:schemeClr val="lt1"/>
               </a:solidFill>
@@ -21688,7 +21778,7 @@
         <p:push/>
       </p:transition>
     </mc:Choice>
-    <mc:Fallback xmlns="" xmlns:mv="urn:schemas-microsoft-com:mac:vml" xmlns:c="http://schemas.openxmlformats.org/drawingml/2006/chart" xmlns:dgm="http://schemas.openxmlformats.org/drawingml/2006/diagram" xmlns:o="urn:schemas-microsoft-com:office:office" xmlns:v="urn:schemas-microsoft-com:vml" xmlns:pvml="urn:schemas-microsoft-com:office:powerpoint" xmlns:com="http://schemas.openxmlformats.org/drawingml/2006/compatibility" xmlns:p15="http://schemas.microsoft.com/office/powerpoint/2012/main" xmlns:ahyp="http://schemas.microsoft.com/office/drawing/2018/hyperlinkcolor">
+    <mc:Fallback xmlns:ahyp="http://schemas.microsoft.com/office/drawing/2018/hyperlinkcolor" xmlns:p15="http://schemas.microsoft.com/office/powerpoint/2012/main" xmlns:com="http://schemas.openxmlformats.org/drawingml/2006/compatibility" xmlns:pvml="urn:schemas-microsoft-com:office:powerpoint" xmlns:v="urn:schemas-microsoft-com:vml" xmlns:o="urn:schemas-microsoft-com:office:office" xmlns:dgm="http://schemas.openxmlformats.org/drawingml/2006/diagram" xmlns:c="http://schemas.openxmlformats.org/drawingml/2006/chart" xmlns:mv="urn:schemas-microsoft-com:mac:vml" xmlns="">
       <p:transition spd="slow">
         <p:fade/>
       </p:transition>
@@ -22079,7 +22169,7 @@
               <a:buNone/>
             </a:pPr>
             <a:r>
-              <a:rPr lang="en-US" sz="4900" b="1">
+              <a:rPr lang="en-US" sz="4900" b="1" dirty="0">
                 <a:solidFill>
                   <a:srgbClr val="002060"/>
                 </a:solidFill>
@@ -22093,7 +22183,7 @@
               </a:rPr>
               <a:t>LIST OF DDL COMMANDS</a:t>
             </a:r>
-            <a:endParaRPr sz="4900" b="1">
+            <a:endParaRPr sz="4900" b="1" dirty="0">
               <a:solidFill>
                 <a:srgbClr val="002060"/>
               </a:solidFill>
@@ -22326,7 +22416,7 @@
               <a:buNone/>
             </a:pPr>
             <a:r>
-              <a:rPr lang="en-US" sz="3700">
+              <a:rPr lang="en-US" sz="3700" dirty="0">
                 <a:solidFill>
                   <a:schemeClr val="lt1"/>
                 </a:solidFill>
@@ -22337,7 +22427,7 @@
               </a:rPr>
               <a:t>CREATE</a:t>
             </a:r>
-            <a:endParaRPr sz="3700">
+            <a:endParaRPr sz="3700" dirty="0">
               <a:solidFill>
                 <a:schemeClr val="lt1"/>
               </a:solidFill>
@@ -22366,7 +22456,7 @@
               <a:buNone/>
             </a:pPr>
             <a:r>
-              <a:rPr lang="en-US" sz="3700">
+              <a:rPr lang="en-US" sz="3700" dirty="0">
                 <a:solidFill>
                   <a:schemeClr val="lt1"/>
                 </a:solidFill>
@@ -22377,7 +22467,7 @@
               </a:rPr>
               <a:t>ALTER</a:t>
             </a:r>
-            <a:endParaRPr sz="3700">
+            <a:endParaRPr sz="3700" dirty="0">
               <a:solidFill>
                 <a:schemeClr val="lt1"/>
               </a:solidFill>
@@ -22406,7 +22496,7 @@
               <a:buNone/>
             </a:pPr>
             <a:r>
-              <a:rPr lang="en-US" sz="3700">
+              <a:rPr lang="en-US" sz="3700" dirty="0">
                 <a:solidFill>
                   <a:schemeClr val="lt1"/>
                 </a:solidFill>
@@ -22417,7 +22507,7 @@
               </a:rPr>
               <a:t>DROP</a:t>
             </a:r>
-            <a:endParaRPr sz="3700">
+            <a:endParaRPr sz="3700" dirty="0">
               <a:solidFill>
                 <a:schemeClr val="lt1"/>
               </a:solidFill>
@@ -22446,7 +22536,7 @@
               <a:buNone/>
             </a:pPr>
             <a:r>
-              <a:rPr lang="en-US" sz="3700">
+              <a:rPr lang="en-US" sz="3700" dirty="0">
                 <a:solidFill>
                   <a:schemeClr val="lt1"/>
                 </a:solidFill>
@@ -22457,7 +22547,7 @@
               </a:rPr>
               <a:t>TRUNCATE</a:t>
             </a:r>
-            <a:endParaRPr sz="3700">
+            <a:endParaRPr sz="3700" dirty="0">
               <a:solidFill>
                 <a:schemeClr val="lt1"/>
               </a:solidFill>
@@ -22486,7 +22576,7 @@
               <a:buNone/>
             </a:pPr>
             <a:r>
-              <a:rPr lang="en-US" sz="3700">
+              <a:rPr lang="en-US" sz="3700" dirty="0">
                 <a:solidFill>
                   <a:schemeClr val="lt1"/>
                 </a:solidFill>
@@ -22497,7 +22587,7 @@
               </a:rPr>
               <a:t>RENAME</a:t>
             </a:r>
-            <a:endParaRPr sz="3200">
+            <a:endParaRPr sz="3200" dirty="0">
               <a:solidFill>
                 <a:schemeClr val="dk1"/>
               </a:solidFill>
@@ -22595,7 +22685,7 @@
               <a:buNone/>
             </a:pPr>
             <a:r>
-              <a:rPr lang="en-US" sz="1600" b="0" i="0" u="none" strike="noStrike" cap="none">
+              <a:rPr lang="en-US" sz="1600" b="0" i="0" u="none" strike="noStrike" cap="none" dirty="0">
                 <a:solidFill>
                   <a:schemeClr val="lt1"/>
                 </a:solidFill>
@@ -22606,7 +22696,7 @@
               </a:rPr>
               <a:t> The CREATE statement is used to create new database objects such as tables, views, indexes, and constraints. It defines the structure of the object, including column names, data types, and other properties.</a:t>
             </a:r>
-            <a:endParaRPr sz="1600" b="0" i="0" u="none" strike="noStrike" cap="none">
+            <a:endParaRPr sz="1600" b="0" i="0" u="none" strike="noStrike" cap="none" dirty="0">
               <a:solidFill>
                 <a:schemeClr val="lt1"/>
               </a:solidFill>
@@ -22753,7 +22843,7 @@
         <p:push/>
       </p:transition>
     </mc:Choice>
-    <mc:Fallback xmlns="" xmlns:mv="urn:schemas-microsoft-com:mac:vml" xmlns:c="http://schemas.openxmlformats.org/drawingml/2006/chart" xmlns:dgm="http://schemas.openxmlformats.org/drawingml/2006/diagram" xmlns:o="urn:schemas-microsoft-com:office:office" xmlns:v="urn:schemas-microsoft-com:vml" xmlns:pvml="urn:schemas-microsoft-com:office:powerpoint" xmlns:com="http://schemas.openxmlformats.org/drawingml/2006/compatibility" xmlns:p15="http://schemas.microsoft.com/office/powerpoint/2012/main" xmlns:ahyp="http://schemas.microsoft.com/office/drawing/2018/hyperlinkcolor">
+    <mc:Fallback xmlns:ahyp="http://schemas.microsoft.com/office/drawing/2018/hyperlinkcolor" xmlns:p15="http://schemas.microsoft.com/office/powerpoint/2012/main" xmlns:com="http://schemas.openxmlformats.org/drawingml/2006/compatibility" xmlns:pvml="urn:schemas-microsoft-com:office:powerpoint" xmlns:v="urn:schemas-microsoft-com:vml" xmlns:o="urn:schemas-microsoft-com:office:office" xmlns:dgm="http://schemas.openxmlformats.org/drawingml/2006/diagram" xmlns:c="http://schemas.openxmlformats.org/drawingml/2006/chart" xmlns:mv="urn:schemas-microsoft-com:mac:vml" xmlns="">
       <p:transition spd="slow">
         <p:fade/>
       </p:transition>
@@ -23130,7 +23220,7 @@
               <a:buNone/>
             </a:pPr>
             <a:r>
-              <a:rPr lang="en-US" sz="1200">
+              <a:rPr lang="en-US" sz="1200" dirty="0">
                 <a:solidFill>
                   <a:schemeClr val="dk1"/>
                 </a:solidFill>
@@ -23139,9 +23229,33 @@
                 <a:cs typeface="Arial"/>
                 <a:sym typeface="Arial"/>
               </a:rPr>
-              <a:t>CREATE TABLE table_name (</a:t>
+              <a:t>CREATE TABLE </a:t>
             </a:r>
-            <a:endParaRPr sz="1200">
+            <a:r>
+              <a:rPr lang="en-US" sz="1200" dirty="0" err="1">
+                <a:solidFill>
+                  <a:schemeClr val="dk1"/>
+                </a:solidFill>
+                <a:latin typeface="Arial"/>
+                <a:ea typeface="Arial"/>
+                <a:cs typeface="Arial"/>
+                <a:sym typeface="Arial"/>
+              </a:rPr>
+              <a:t>table_name</a:t>
+            </a:r>
+            <a:r>
+              <a:rPr lang="en-US" sz="1200" dirty="0">
+                <a:solidFill>
+                  <a:schemeClr val="dk1"/>
+                </a:solidFill>
+                <a:latin typeface="Arial"/>
+                <a:ea typeface="Arial"/>
+                <a:cs typeface="Arial"/>
+                <a:sym typeface="Arial"/>
+              </a:rPr>
+              <a:t> (</a:t>
+            </a:r>
+            <a:endParaRPr sz="1200" dirty="0">
               <a:solidFill>
                 <a:schemeClr val="dk1"/>
               </a:solidFill>
@@ -23162,7 +23276,7 @@
               <a:buNone/>
             </a:pPr>
             <a:r>
-              <a:rPr lang="en-US" sz="1200">
+              <a:rPr lang="en-US" sz="1200" dirty="0">
                 <a:solidFill>
                   <a:schemeClr val="dk1"/>
                 </a:solidFill>
@@ -23173,7 +23287,7 @@
               </a:rPr>
               <a:t>    column1 datatype constraint,</a:t>
             </a:r>
-            <a:endParaRPr sz="1200">
+            <a:endParaRPr sz="1200" dirty="0">
               <a:solidFill>
                 <a:schemeClr val="dk1"/>
               </a:solidFill>
@@ -23194,7 +23308,7 @@
               <a:buNone/>
             </a:pPr>
             <a:r>
-              <a:rPr lang="en-US" sz="1200">
+              <a:rPr lang="en-US" sz="1200" dirty="0">
                 <a:solidFill>
                   <a:schemeClr val="dk1"/>
                 </a:solidFill>
@@ -23205,7 +23319,7 @@
               </a:rPr>
               <a:t>    column2 datatype constraint,</a:t>
             </a:r>
-            <a:endParaRPr sz="1200">
+            <a:endParaRPr sz="1200" dirty="0">
               <a:solidFill>
                 <a:schemeClr val="dk1"/>
               </a:solidFill>
@@ -23226,7 +23340,7 @@
               <a:buNone/>
             </a:pPr>
             <a:r>
-              <a:rPr lang="en-US" sz="1200">
+              <a:rPr lang="en-US" sz="1200" dirty="0">
                 <a:solidFill>
                   <a:schemeClr val="dk1"/>
                 </a:solidFill>
@@ -23237,7 +23351,7 @@
               </a:rPr>
               <a:t>    ...</a:t>
             </a:r>
-            <a:endParaRPr sz="1200">
+            <a:endParaRPr sz="1200" dirty="0">
               <a:solidFill>
                 <a:schemeClr val="dk1"/>
               </a:solidFill>
@@ -23258,7 +23372,7 @@
               <a:buNone/>
             </a:pPr>
             <a:r>
-              <a:rPr lang="en-US" sz="1200">
+              <a:rPr lang="en-US" sz="1200" dirty="0">
                 <a:solidFill>
                   <a:schemeClr val="dk1"/>
                 </a:solidFill>
@@ -23269,7 +23383,7 @@
               </a:rPr>
               <a:t>);</a:t>
             </a:r>
-            <a:endParaRPr sz="1200">
+            <a:endParaRPr sz="1200" dirty="0">
               <a:solidFill>
                 <a:schemeClr val="dk1"/>
               </a:solidFill>
@@ -23343,7 +23457,7 @@
               <a:buNone/>
             </a:pPr>
             <a:r>
-              <a:rPr lang="en-US" sz="1200">
+              <a:rPr lang="en-US" sz="1200" dirty="0">
                 <a:solidFill>
                   <a:schemeClr val="dk1"/>
                 </a:solidFill>
@@ -23352,9 +23466,33 @@
                 <a:cs typeface="Arial"/>
                 <a:sym typeface="Arial"/>
               </a:rPr>
-              <a:t>CREATE TABLE jobSeeker(</a:t>
+              <a:t>CREATE TABLE </a:t>
             </a:r>
-            <a:endParaRPr sz="1200">
+            <a:r>
+              <a:rPr lang="en-US" sz="1200" dirty="0" err="1">
+                <a:solidFill>
+                  <a:schemeClr val="dk1"/>
+                </a:solidFill>
+                <a:latin typeface="Arial"/>
+                <a:ea typeface="Arial"/>
+                <a:cs typeface="Arial"/>
+                <a:sym typeface="Arial"/>
+              </a:rPr>
+              <a:t>jobSeeker</a:t>
+            </a:r>
+            <a:r>
+              <a:rPr lang="en-US" sz="1200" dirty="0">
+                <a:solidFill>
+                  <a:schemeClr val="dk1"/>
+                </a:solidFill>
+                <a:latin typeface="Arial"/>
+                <a:ea typeface="Arial"/>
+                <a:cs typeface="Arial"/>
+                <a:sym typeface="Arial"/>
+              </a:rPr>
+              <a:t>(</a:t>
+            </a:r>
+            <a:endParaRPr sz="1200" dirty="0">
               <a:solidFill>
                 <a:schemeClr val="dk1"/>
               </a:solidFill>
@@ -23375,7 +23513,7 @@
               <a:buNone/>
             </a:pPr>
             <a:r>
-              <a:rPr lang="en-US" sz="1200">
+              <a:rPr lang="en-US" sz="1200" dirty="0">
                 <a:solidFill>
                   <a:schemeClr val="dk1"/>
                 </a:solidFill>
@@ -23386,7 +23524,7 @@
               </a:rPr>
               <a:t>    id INT PRIMARY KEY,</a:t>
             </a:r>
-            <a:endParaRPr sz="1200">
+            <a:endParaRPr sz="1200" dirty="0">
               <a:solidFill>
                 <a:schemeClr val="dk1"/>
               </a:solidFill>
@@ -23407,7 +23545,7 @@
               <a:buNone/>
             </a:pPr>
             <a:r>
-              <a:rPr lang="en-US" sz="1200">
+              <a:rPr lang="en-US" sz="1200" dirty="0">
                 <a:solidFill>
                   <a:schemeClr val="dk1"/>
                 </a:solidFill>
@@ -23418,7 +23556,7 @@
               </a:rPr>
               <a:t>    name VARCHAR(50) NOT NULL,</a:t>
             </a:r>
-            <a:endParaRPr sz="1200">
+            <a:endParaRPr sz="1200" dirty="0">
               <a:solidFill>
                 <a:schemeClr val="dk1"/>
               </a:solidFill>
@@ -23439,7 +23577,7 @@
               <a:buNone/>
             </a:pPr>
             <a:r>
-              <a:rPr lang="en-US" sz="1200">
+              <a:rPr lang="en-US" sz="1200" dirty="0">
                 <a:solidFill>
                   <a:schemeClr val="dk1"/>
                 </a:solidFill>
@@ -23450,7 +23588,7 @@
               </a:rPr>
               <a:t>    age INT,</a:t>
             </a:r>
-            <a:endParaRPr sz="1200">
+            <a:endParaRPr sz="1200" dirty="0">
               <a:solidFill>
                 <a:schemeClr val="dk1"/>
               </a:solidFill>
@@ -23471,7 +23609,7 @@
               <a:buNone/>
             </a:pPr>
             <a:r>
-              <a:rPr lang="en-US" sz="1200">
+              <a:rPr lang="en-US" sz="1200" dirty="0">
                 <a:solidFill>
                   <a:schemeClr val="dk1"/>
                 </a:solidFill>
@@ -23482,7 +23620,7 @@
               </a:rPr>
               <a:t>    salary DECIMAL(10, 2)</a:t>
             </a:r>
-            <a:endParaRPr sz="1200">
+            <a:endParaRPr sz="1200" dirty="0">
               <a:solidFill>
                 <a:schemeClr val="dk1"/>
               </a:solidFill>
@@ -23503,7 +23641,7 @@
               <a:buNone/>
             </a:pPr>
             <a:r>
-              <a:rPr lang="en-US" sz="1200">
+              <a:rPr lang="en-US" sz="1200" dirty="0">
                 <a:solidFill>
                   <a:schemeClr val="dk1"/>
                 </a:solidFill>
@@ -23514,7 +23652,7 @@
               </a:rPr>
               <a:t>);</a:t>
             </a:r>
-            <a:endParaRPr sz="1200">
+            <a:endParaRPr sz="1200" dirty="0">
               <a:solidFill>
                 <a:schemeClr val="dk1"/>
               </a:solidFill>
@@ -23869,7 +24007,7 @@
         <p:push/>
       </p:transition>
     </mc:Choice>
-    <mc:Fallback xmlns="" xmlns:mv="urn:schemas-microsoft-com:mac:vml" xmlns:c="http://schemas.openxmlformats.org/drawingml/2006/chart" xmlns:dgm="http://schemas.openxmlformats.org/drawingml/2006/diagram" xmlns:o="urn:schemas-microsoft-com:office:office" xmlns:v="urn:schemas-microsoft-com:vml" xmlns:pvml="urn:schemas-microsoft-com:office:powerpoint" xmlns:com="http://schemas.openxmlformats.org/drawingml/2006/compatibility" xmlns:p15="http://schemas.microsoft.com/office/powerpoint/2012/main" xmlns:ahyp="http://schemas.microsoft.com/office/drawing/2018/hyperlinkcolor">
+    <mc:Fallback xmlns:ahyp="http://schemas.microsoft.com/office/drawing/2018/hyperlinkcolor" xmlns:p15="http://schemas.microsoft.com/office/powerpoint/2012/main" xmlns:com="http://schemas.openxmlformats.org/drawingml/2006/compatibility" xmlns:pvml="urn:schemas-microsoft-com:office:powerpoint" xmlns:v="urn:schemas-microsoft-com:vml" xmlns:o="urn:schemas-microsoft-com:office:office" xmlns:dgm="http://schemas.openxmlformats.org/drawingml/2006/diagram" xmlns:c="http://schemas.openxmlformats.org/drawingml/2006/chart" xmlns:mv="urn:schemas-microsoft-com:mac:vml" xmlns="">
       <p:transition spd="slow">
         <p:fade/>
       </p:transition>
@@ -24443,7 +24581,7 @@
         <p:push/>
       </p:transition>
     </mc:Choice>
-    <mc:Fallback xmlns="" xmlns:mv="urn:schemas-microsoft-com:mac:vml" xmlns:c="http://schemas.openxmlformats.org/drawingml/2006/chart" xmlns:dgm="http://schemas.openxmlformats.org/drawingml/2006/diagram" xmlns:o="urn:schemas-microsoft-com:office:office" xmlns:v="urn:schemas-microsoft-com:vml" xmlns:pvml="urn:schemas-microsoft-com:office:powerpoint" xmlns:com="http://schemas.openxmlformats.org/drawingml/2006/compatibility" xmlns:p15="http://schemas.microsoft.com/office/powerpoint/2012/main" xmlns:ahyp="http://schemas.microsoft.com/office/drawing/2018/hyperlinkcolor">
+    <mc:Fallback xmlns:ahyp="http://schemas.microsoft.com/office/drawing/2018/hyperlinkcolor" xmlns:p15="http://schemas.microsoft.com/office/powerpoint/2012/main" xmlns:com="http://schemas.openxmlformats.org/drawingml/2006/compatibility" xmlns:pvml="urn:schemas-microsoft-com:office:powerpoint" xmlns:v="urn:schemas-microsoft-com:vml" xmlns:o="urn:schemas-microsoft-com:office:office" xmlns:dgm="http://schemas.openxmlformats.org/drawingml/2006/diagram" xmlns:c="http://schemas.openxmlformats.org/drawingml/2006/chart" xmlns:mv="urn:schemas-microsoft-com:mac:vml" xmlns="">
       <p:transition spd="slow">
         <p:fade/>
       </p:transition>
@@ -25179,7 +25317,7 @@
         <p:push/>
       </p:transition>
     </mc:Choice>
-    <mc:Fallback xmlns="" xmlns:mv="urn:schemas-microsoft-com:mac:vml" xmlns:c="http://schemas.openxmlformats.org/drawingml/2006/chart" xmlns:dgm="http://schemas.openxmlformats.org/drawingml/2006/diagram" xmlns:o="urn:schemas-microsoft-com:office:office" xmlns:v="urn:schemas-microsoft-com:vml" xmlns:pvml="urn:schemas-microsoft-com:office:powerpoint" xmlns:com="http://schemas.openxmlformats.org/drawingml/2006/compatibility" xmlns:p15="http://schemas.microsoft.com/office/powerpoint/2012/main" xmlns:ahyp="http://schemas.microsoft.com/office/drawing/2018/hyperlinkcolor">
+    <mc:Fallback xmlns:ahyp="http://schemas.microsoft.com/office/drawing/2018/hyperlinkcolor" xmlns:p15="http://schemas.microsoft.com/office/powerpoint/2012/main" xmlns:com="http://schemas.openxmlformats.org/drawingml/2006/compatibility" xmlns:pvml="urn:schemas-microsoft-com:office:powerpoint" xmlns:v="urn:schemas-microsoft-com:vml" xmlns:o="urn:schemas-microsoft-com:office:office" xmlns:dgm="http://schemas.openxmlformats.org/drawingml/2006/diagram" xmlns:c="http://schemas.openxmlformats.org/drawingml/2006/chart" xmlns:mv="urn:schemas-microsoft-com:mac:vml" xmlns="">
       <p:transition spd="slow">
         <p:fade/>
       </p:transition>
@@ -25753,7 +25891,7 @@
         <p:push/>
       </p:transition>
     </mc:Choice>
-    <mc:Fallback xmlns="" xmlns:mv="urn:schemas-microsoft-com:mac:vml" xmlns:c="http://schemas.openxmlformats.org/drawingml/2006/chart" xmlns:dgm="http://schemas.openxmlformats.org/drawingml/2006/diagram" xmlns:o="urn:schemas-microsoft-com:office:office" xmlns:v="urn:schemas-microsoft-com:vml" xmlns:pvml="urn:schemas-microsoft-com:office:powerpoint" xmlns:com="http://schemas.openxmlformats.org/drawingml/2006/compatibility" xmlns:p15="http://schemas.microsoft.com/office/powerpoint/2012/main" xmlns:ahyp="http://schemas.microsoft.com/office/drawing/2018/hyperlinkcolor">
+    <mc:Fallback xmlns:ahyp="http://schemas.microsoft.com/office/drawing/2018/hyperlinkcolor" xmlns:p15="http://schemas.microsoft.com/office/powerpoint/2012/main" xmlns:com="http://schemas.openxmlformats.org/drawingml/2006/compatibility" xmlns:pvml="urn:schemas-microsoft-com:office:powerpoint" xmlns:v="urn:schemas-microsoft-com:vml" xmlns:o="urn:schemas-microsoft-com:office:office" xmlns:dgm="http://schemas.openxmlformats.org/drawingml/2006/diagram" xmlns:c="http://schemas.openxmlformats.org/drawingml/2006/chart" xmlns:mv="urn:schemas-microsoft-com:mac:vml" xmlns="">
       <p:transition spd="slow">
         <p:fade/>
       </p:transition>
@@ -26372,7 +26510,7 @@
         <p:push/>
       </p:transition>
     </mc:Choice>
-    <mc:Fallback xmlns="" xmlns:mv="urn:schemas-microsoft-com:mac:vml" xmlns:c="http://schemas.openxmlformats.org/drawingml/2006/chart" xmlns:dgm="http://schemas.openxmlformats.org/drawingml/2006/diagram" xmlns:o="urn:schemas-microsoft-com:office:office" xmlns:v="urn:schemas-microsoft-com:vml" xmlns:pvml="urn:schemas-microsoft-com:office:powerpoint" xmlns:com="http://schemas.openxmlformats.org/drawingml/2006/compatibility" xmlns:p15="http://schemas.microsoft.com/office/powerpoint/2012/main" xmlns:ahyp="http://schemas.microsoft.com/office/drawing/2018/hyperlinkcolor">
+    <mc:Fallback xmlns:ahyp="http://schemas.microsoft.com/office/drawing/2018/hyperlinkcolor" xmlns:p15="http://schemas.microsoft.com/office/powerpoint/2012/main" xmlns:com="http://schemas.openxmlformats.org/drawingml/2006/compatibility" xmlns:pvml="urn:schemas-microsoft-com:office:powerpoint" xmlns:v="urn:schemas-microsoft-com:vml" xmlns:o="urn:schemas-microsoft-com:office:office" xmlns:dgm="http://schemas.openxmlformats.org/drawingml/2006/diagram" xmlns:c="http://schemas.openxmlformats.org/drawingml/2006/chart" xmlns:mv="urn:schemas-microsoft-com:mac:vml" xmlns="">
       <p:transition spd="slow">
         <p:fade/>
       </p:transition>

--- a/ASP.NetCore/Chapter 5/Presentation/DDL.pptx
+++ b/ASP.NetCore/Chapter 5/Presentation/DDL.pptx
@@ -286,7 +286,7 @@
       <p15:sldGuideLst xmlns:p15="http://schemas.microsoft.com/office/powerpoint/2012/main"/>
     </p:ext>
     <p:ext uri="GoogleSlidesCustomDataVersion2">
-      <go:slidesCustomData xmlns:go="http://customooxmlschemas.google.com/" xmlns:ahyp="http://schemas.microsoft.com/office/drawing/2018/hyperlinkcolor" xmlns:p15="http://schemas.microsoft.com/office/powerpoint/2012/main" xmlns:p14="http://schemas.microsoft.com/office/powerpoint/2010/main" xmlns:com="http://schemas.openxmlformats.org/drawingml/2006/compatibility" xmlns:pvml="urn:schemas-microsoft-com:office:powerpoint" xmlns:v="urn:schemas-microsoft-com:vml" xmlns:o="urn:schemas-microsoft-com:office:office" xmlns:dgm="http://schemas.openxmlformats.org/drawingml/2006/diagram" xmlns:c="http://schemas.openxmlformats.org/drawingml/2006/chart" xmlns:mv="urn:schemas-microsoft-com:mac:vml" xmlns:mc="http://schemas.openxmlformats.org/markup-compatibility/2006" xmlns="" r:id="rId33" roundtripDataSignature="AMtx7miNZo/BdzzlUGKVgEqo3rnNWlpsbw=="/>
+      <go:slidesCustomData xmlns="" xmlns:mc="http://schemas.openxmlformats.org/markup-compatibility/2006" xmlns:mv="urn:schemas-microsoft-com:mac:vml" xmlns:c="http://schemas.openxmlformats.org/drawingml/2006/chart" xmlns:dgm="http://schemas.openxmlformats.org/drawingml/2006/diagram" xmlns:o="urn:schemas-microsoft-com:office:office" xmlns:v="urn:schemas-microsoft-com:vml" xmlns:pvml="urn:schemas-microsoft-com:office:powerpoint" xmlns:com="http://schemas.openxmlformats.org/drawingml/2006/compatibility" xmlns:p14="http://schemas.microsoft.com/office/powerpoint/2010/main" xmlns:p15="http://schemas.microsoft.com/office/powerpoint/2012/main" xmlns:ahyp="http://schemas.microsoft.com/office/drawing/2018/hyperlinkcolor" xmlns:go="http://customooxmlschemas.google.com/" r:id="rId33" roundtripDataSignature="AMtx7miNZo/BdzzlUGKVgEqo3rnNWlpsbw=="/>
     </p:ext>
   </p:extLst>
 </p:presentation>
@@ -2520,8 +2520,8 @@
         </p:nvSpPr>
         <p:spPr>
           <a:xfrm>
-            <a:off x="1143225" y="685800"/>
-            <a:ext cx="4572225" cy="3429000"/>
+            <a:off x="381000" y="685800"/>
+            <a:ext cx="6096000" cy="3429000"/>
           </a:xfrm>
           <a:custGeom>
             <a:avLst/>
@@ -2728,8 +2728,8 @@
         </p:nvSpPr>
         <p:spPr>
           <a:xfrm>
-            <a:off x="1143225" y="685800"/>
-            <a:ext cx="4572225" cy="3429000"/>
+            <a:off x="381000" y="685800"/>
+            <a:ext cx="6096000" cy="3429000"/>
           </a:xfrm>
           <a:custGeom>
             <a:avLst/>
@@ -13307,7 +13307,7 @@
         <p:push/>
       </p:transition>
     </mc:Choice>
-    <mc:Fallback xmlns:ahyp="http://schemas.microsoft.com/office/drawing/2018/hyperlinkcolor" xmlns:p15="http://schemas.microsoft.com/office/powerpoint/2012/main" xmlns:com="http://schemas.openxmlformats.org/drawingml/2006/compatibility" xmlns:pvml="urn:schemas-microsoft-com:office:powerpoint" xmlns:v="urn:schemas-microsoft-com:vml" xmlns:o="urn:schemas-microsoft-com:office:office" xmlns:dgm="http://schemas.openxmlformats.org/drawingml/2006/diagram" xmlns:c="http://schemas.openxmlformats.org/drawingml/2006/chart" xmlns:mv="urn:schemas-microsoft-com:mac:vml" xmlns="">
+    <mc:Fallback xmlns="" xmlns:mv="urn:schemas-microsoft-com:mac:vml" xmlns:c="http://schemas.openxmlformats.org/drawingml/2006/chart" xmlns:dgm="http://schemas.openxmlformats.org/drawingml/2006/diagram" xmlns:o="urn:schemas-microsoft-com:office:office" xmlns:v="urn:schemas-microsoft-com:vml" xmlns:pvml="urn:schemas-microsoft-com:office:powerpoint" xmlns:com="http://schemas.openxmlformats.org/drawingml/2006/compatibility" xmlns:p15="http://schemas.microsoft.com/office/powerpoint/2012/main" xmlns:ahyp="http://schemas.microsoft.com/office/drawing/2018/hyperlinkcolor">
       <p:transition spd="slow">
         <p:fade/>
       </p:transition>
@@ -13552,7 +13552,7 @@
               <a:buNone/>
             </a:pPr>
             <a:r>
-              <a:rPr lang="en-US" sz="4000" b="1">
+              <a:rPr lang="en-US" sz="4000" b="1" dirty="0">
                 <a:solidFill>
                   <a:srgbClr val="002060"/>
                 </a:solidFill>
@@ -13563,7 +13563,7 @@
               </a:rPr>
               <a:t>4. RENAME Statement:</a:t>
             </a:r>
-            <a:endParaRPr sz="4000" b="1">
+            <a:endParaRPr sz="4000" b="1" dirty="0">
               <a:solidFill>
                 <a:srgbClr val="002060"/>
               </a:solidFill>
@@ -13670,7 +13670,7 @@
         <p:push/>
       </p:transition>
     </mc:Choice>
-    <mc:Fallback xmlns:ahyp="http://schemas.microsoft.com/office/drawing/2018/hyperlinkcolor" xmlns:p15="http://schemas.microsoft.com/office/powerpoint/2012/main" xmlns:com="http://schemas.openxmlformats.org/drawingml/2006/compatibility" xmlns:pvml="urn:schemas-microsoft-com:office:powerpoint" xmlns:v="urn:schemas-microsoft-com:vml" xmlns:o="urn:schemas-microsoft-com:office:office" xmlns:dgm="http://schemas.openxmlformats.org/drawingml/2006/diagram" xmlns:c="http://schemas.openxmlformats.org/drawingml/2006/chart" xmlns:mv="urn:schemas-microsoft-com:mac:vml" xmlns="">
+    <mc:Fallback xmlns="" xmlns:mv="urn:schemas-microsoft-com:mac:vml" xmlns:c="http://schemas.openxmlformats.org/drawingml/2006/chart" xmlns:dgm="http://schemas.openxmlformats.org/drawingml/2006/diagram" xmlns:o="urn:schemas-microsoft-com:office:office" xmlns:v="urn:schemas-microsoft-com:vml" xmlns:pvml="urn:schemas-microsoft-com:office:powerpoint" xmlns:com="http://schemas.openxmlformats.org/drawingml/2006/compatibility" xmlns:p15="http://schemas.microsoft.com/office/powerpoint/2012/main" xmlns:ahyp="http://schemas.microsoft.com/office/drawing/2018/hyperlinkcolor">
       <p:transition spd="slow">
         <p:fade/>
       </p:transition>
@@ -14003,7 +14003,7 @@
               <a:buNone/>
             </a:pPr>
             <a:r>
-              <a:rPr lang="en-US" sz="1200">
+              <a:rPr lang="en-US" sz="1200" dirty="0">
                 <a:solidFill>
                   <a:schemeClr val="dk1"/>
                 </a:solidFill>
@@ -14012,9 +14012,81 @@
                 <a:cs typeface="Arial"/>
                 <a:sym typeface="Arial"/>
               </a:rPr>
-              <a:t>EXEC sp_rename 'old_table_name', 'new_table_name'  </a:t>
+              <a:t>EXEC </a:t>
             </a:r>
-            <a:endParaRPr sz="1200">
+            <a:r>
+              <a:rPr lang="en-US" sz="1200" dirty="0" err="1">
+                <a:solidFill>
+                  <a:schemeClr val="dk1"/>
+                </a:solidFill>
+                <a:latin typeface="Arial"/>
+                <a:ea typeface="Arial"/>
+                <a:cs typeface="Arial"/>
+                <a:sym typeface="Arial"/>
+              </a:rPr>
+              <a:t>sp_rename</a:t>
+            </a:r>
+            <a:r>
+              <a:rPr lang="en-US" sz="1200" dirty="0">
+                <a:solidFill>
+                  <a:schemeClr val="dk1"/>
+                </a:solidFill>
+                <a:latin typeface="Arial"/>
+                <a:ea typeface="Arial"/>
+                <a:cs typeface="Arial"/>
+                <a:sym typeface="Arial"/>
+              </a:rPr>
+              <a:t> '</a:t>
+            </a:r>
+            <a:r>
+              <a:rPr lang="en-US" sz="1200" dirty="0" err="1">
+                <a:solidFill>
+                  <a:schemeClr val="dk1"/>
+                </a:solidFill>
+                <a:latin typeface="Arial"/>
+                <a:ea typeface="Arial"/>
+                <a:cs typeface="Arial"/>
+                <a:sym typeface="Arial"/>
+              </a:rPr>
+              <a:t>old_table_name</a:t>
+            </a:r>
+            <a:r>
+              <a:rPr lang="en-US" sz="1200" dirty="0">
+                <a:solidFill>
+                  <a:schemeClr val="dk1"/>
+                </a:solidFill>
+                <a:latin typeface="Arial"/>
+                <a:ea typeface="Arial"/>
+                <a:cs typeface="Arial"/>
+                <a:sym typeface="Arial"/>
+              </a:rPr>
+              <a:t>', '</a:t>
+            </a:r>
+            <a:r>
+              <a:rPr lang="en-US" sz="1200" dirty="0" err="1">
+                <a:solidFill>
+                  <a:schemeClr val="dk1"/>
+                </a:solidFill>
+                <a:latin typeface="Arial"/>
+                <a:ea typeface="Arial"/>
+                <a:cs typeface="Arial"/>
+                <a:sym typeface="Arial"/>
+              </a:rPr>
+              <a:t>new_table_name</a:t>
+            </a:r>
+            <a:r>
+              <a:rPr lang="en-US" sz="1200" dirty="0">
+                <a:solidFill>
+                  <a:schemeClr val="dk1"/>
+                </a:solidFill>
+                <a:latin typeface="Arial"/>
+                <a:ea typeface="Arial"/>
+                <a:cs typeface="Arial"/>
+                <a:sym typeface="Arial"/>
+              </a:rPr>
+              <a:t>'  </a:t>
+            </a:r>
+            <a:endParaRPr sz="1200" dirty="0">
               <a:solidFill>
                 <a:schemeClr val="dk1"/>
               </a:solidFill>
@@ -14088,7 +14160,7 @@
               <a:buNone/>
             </a:pPr>
             <a:r>
-              <a:rPr lang="en-US" sz="1800" b="1">
+              <a:rPr lang="en-US" sz="1800" b="1" dirty="0">
                 <a:solidFill>
                   <a:schemeClr val="dk1"/>
                 </a:solidFill>
@@ -14099,7 +14171,7 @@
               </a:rPr>
               <a:t>Syntax</a:t>
             </a:r>
-            <a:endParaRPr sz="1800">
+            <a:endParaRPr sz="1800" dirty="0">
               <a:solidFill>
                 <a:schemeClr val="dk1"/>
               </a:solidFill>
@@ -14284,7 +14356,7 @@
         <p:push/>
       </p:transition>
     </mc:Choice>
-    <mc:Fallback xmlns:ahyp="http://schemas.microsoft.com/office/drawing/2018/hyperlinkcolor" xmlns:p15="http://schemas.microsoft.com/office/powerpoint/2012/main" xmlns:com="http://schemas.openxmlformats.org/drawingml/2006/compatibility" xmlns:pvml="urn:schemas-microsoft-com:office:powerpoint" xmlns:v="urn:schemas-microsoft-com:vml" xmlns:o="urn:schemas-microsoft-com:office:office" xmlns:dgm="http://schemas.openxmlformats.org/drawingml/2006/diagram" xmlns:c="http://schemas.openxmlformats.org/drawingml/2006/chart" xmlns:mv="urn:schemas-microsoft-com:mac:vml" xmlns="">
+    <mc:Fallback xmlns="" xmlns:mv="urn:schemas-microsoft-com:mac:vml" xmlns:c="http://schemas.openxmlformats.org/drawingml/2006/chart" xmlns:dgm="http://schemas.openxmlformats.org/drawingml/2006/diagram" xmlns:o="urn:schemas-microsoft-com:office:office" xmlns:v="urn:schemas-microsoft-com:vml" xmlns:pvml="urn:schemas-microsoft-com:office:powerpoint" xmlns:com="http://schemas.openxmlformats.org/drawingml/2006/compatibility" xmlns:p15="http://schemas.microsoft.com/office/powerpoint/2012/main" xmlns:ahyp="http://schemas.microsoft.com/office/drawing/2018/hyperlinkcolor">
       <p:transition spd="slow">
         <p:fade/>
       </p:transition>
@@ -14991,7 +15063,7 @@
         <p:push/>
       </p:transition>
     </mc:Choice>
-    <mc:Fallback xmlns:ahyp="http://schemas.microsoft.com/office/drawing/2018/hyperlinkcolor" xmlns:p15="http://schemas.microsoft.com/office/powerpoint/2012/main" xmlns:com="http://schemas.openxmlformats.org/drawingml/2006/compatibility" xmlns:pvml="urn:schemas-microsoft-com:office:powerpoint" xmlns:v="urn:schemas-microsoft-com:vml" xmlns:o="urn:schemas-microsoft-com:office:office" xmlns:dgm="http://schemas.openxmlformats.org/drawingml/2006/diagram" xmlns:c="http://schemas.openxmlformats.org/drawingml/2006/chart" xmlns:mv="urn:schemas-microsoft-com:mac:vml" xmlns="">
+    <mc:Fallback xmlns="" xmlns:mv="urn:schemas-microsoft-com:mac:vml" xmlns:c="http://schemas.openxmlformats.org/drawingml/2006/chart" xmlns:dgm="http://schemas.openxmlformats.org/drawingml/2006/diagram" xmlns:o="urn:schemas-microsoft-com:office:office" xmlns:v="urn:schemas-microsoft-com:vml" xmlns:pvml="urn:schemas-microsoft-com:office:powerpoint" xmlns:com="http://schemas.openxmlformats.org/drawingml/2006/compatibility" xmlns:p15="http://schemas.microsoft.com/office/powerpoint/2012/main" xmlns:ahyp="http://schemas.microsoft.com/office/drawing/2018/hyperlinkcolor">
       <p:transition spd="slow">
         <p:fade/>
       </p:transition>
@@ -15973,7 +16045,7 @@
         <p:push/>
       </p:transition>
     </mc:Choice>
-    <mc:Fallback xmlns:ahyp="http://schemas.microsoft.com/office/drawing/2018/hyperlinkcolor" xmlns:p15="http://schemas.microsoft.com/office/powerpoint/2012/main" xmlns:com="http://schemas.openxmlformats.org/drawingml/2006/compatibility" xmlns:pvml="urn:schemas-microsoft-com:office:powerpoint" xmlns:v="urn:schemas-microsoft-com:vml" xmlns:o="urn:schemas-microsoft-com:office:office" xmlns:dgm="http://schemas.openxmlformats.org/drawingml/2006/diagram" xmlns:c="http://schemas.openxmlformats.org/drawingml/2006/chart" xmlns:mv="urn:schemas-microsoft-com:mac:vml" xmlns="">
+    <mc:Fallback xmlns="" xmlns:mv="urn:schemas-microsoft-com:mac:vml" xmlns:c="http://schemas.openxmlformats.org/drawingml/2006/chart" xmlns:dgm="http://schemas.openxmlformats.org/drawingml/2006/diagram" xmlns:o="urn:schemas-microsoft-com:office:office" xmlns:v="urn:schemas-microsoft-com:vml" xmlns:pvml="urn:schemas-microsoft-com:office:powerpoint" xmlns:com="http://schemas.openxmlformats.org/drawingml/2006/compatibility" xmlns:p15="http://schemas.microsoft.com/office/powerpoint/2012/main" xmlns:ahyp="http://schemas.microsoft.com/office/drawing/2018/hyperlinkcolor">
       <p:transition spd="slow">
         <p:fade/>
       </p:transition>
@@ -17095,7 +17167,7 @@
         <p:push/>
       </p:transition>
     </mc:Choice>
-    <mc:Fallback xmlns:ahyp="http://schemas.microsoft.com/office/drawing/2018/hyperlinkcolor" xmlns:p15="http://schemas.microsoft.com/office/powerpoint/2012/main" xmlns:com="http://schemas.openxmlformats.org/drawingml/2006/compatibility" xmlns:pvml="urn:schemas-microsoft-com:office:powerpoint" xmlns:v="urn:schemas-microsoft-com:vml" xmlns:o="urn:schemas-microsoft-com:office:office" xmlns:dgm="http://schemas.openxmlformats.org/drawingml/2006/diagram" xmlns:c="http://schemas.openxmlformats.org/drawingml/2006/chart" xmlns:mv="urn:schemas-microsoft-com:mac:vml" xmlns="">
+    <mc:Fallback xmlns="" xmlns:mv="urn:schemas-microsoft-com:mac:vml" xmlns:c="http://schemas.openxmlformats.org/drawingml/2006/chart" xmlns:dgm="http://schemas.openxmlformats.org/drawingml/2006/diagram" xmlns:o="urn:schemas-microsoft-com:office:office" xmlns:v="urn:schemas-microsoft-com:vml" xmlns:pvml="urn:schemas-microsoft-com:office:powerpoint" xmlns:com="http://schemas.openxmlformats.org/drawingml/2006/compatibility" xmlns:p15="http://schemas.microsoft.com/office/powerpoint/2012/main" xmlns:ahyp="http://schemas.microsoft.com/office/drawing/2018/hyperlinkcolor">
       <p:transition spd="slow">
         <p:fade/>
       </p:transition>
@@ -18217,7 +18289,7 @@
         <p:push/>
       </p:transition>
     </mc:Choice>
-    <mc:Fallback xmlns:ahyp="http://schemas.microsoft.com/office/drawing/2018/hyperlinkcolor" xmlns:p15="http://schemas.microsoft.com/office/powerpoint/2012/main" xmlns:com="http://schemas.openxmlformats.org/drawingml/2006/compatibility" xmlns:pvml="urn:schemas-microsoft-com:office:powerpoint" xmlns:v="urn:schemas-microsoft-com:vml" xmlns:o="urn:schemas-microsoft-com:office:office" xmlns:dgm="http://schemas.openxmlformats.org/drawingml/2006/diagram" xmlns:c="http://schemas.openxmlformats.org/drawingml/2006/chart" xmlns:mv="urn:schemas-microsoft-com:mac:vml" xmlns="">
+    <mc:Fallback xmlns="" xmlns:mv="urn:schemas-microsoft-com:mac:vml" xmlns:c="http://schemas.openxmlformats.org/drawingml/2006/chart" xmlns:dgm="http://schemas.openxmlformats.org/drawingml/2006/diagram" xmlns:o="urn:schemas-microsoft-com:office:office" xmlns:v="urn:schemas-microsoft-com:vml" xmlns:pvml="urn:schemas-microsoft-com:office:powerpoint" xmlns:com="http://schemas.openxmlformats.org/drawingml/2006/compatibility" xmlns:p15="http://schemas.microsoft.com/office/powerpoint/2012/main" xmlns:ahyp="http://schemas.microsoft.com/office/drawing/2018/hyperlinkcolor">
       <p:transition spd="slow">
         <p:fade/>
       </p:transition>
@@ -19467,7 +19539,7 @@
         <p:push/>
       </p:transition>
     </mc:Choice>
-    <mc:Fallback xmlns:ahyp="http://schemas.microsoft.com/office/drawing/2018/hyperlinkcolor" xmlns:p15="http://schemas.microsoft.com/office/powerpoint/2012/main" xmlns:com="http://schemas.openxmlformats.org/drawingml/2006/compatibility" xmlns:pvml="urn:schemas-microsoft-com:office:powerpoint" xmlns:v="urn:schemas-microsoft-com:vml" xmlns:o="urn:schemas-microsoft-com:office:office" xmlns:dgm="http://schemas.openxmlformats.org/drawingml/2006/diagram" xmlns:c="http://schemas.openxmlformats.org/drawingml/2006/chart" xmlns:mv="urn:schemas-microsoft-com:mac:vml" xmlns="">
+    <mc:Fallback xmlns="" xmlns:mv="urn:schemas-microsoft-com:mac:vml" xmlns:c="http://schemas.openxmlformats.org/drawingml/2006/chart" xmlns:dgm="http://schemas.openxmlformats.org/drawingml/2006/diagram" xmlns:o="urn:schemas-microsoft-com:office:office" xmlns:v="urn:schemas-microsoft-com:vml" xmlns:pvml="urn:schemas-microsoft-com:office:powerpoint" xmlns:com="http://schemas.openxmlformats.org/drawingml/2006/compatibility" xmlns:p15="http://schemas.microsoft.com/office/powerpoint/2012/main" xmlns:ahyp="http://schemas.microsoft.com/office/drawing/2018/hyperlinkcolor">
       <p:transition spd="slow">
         <p:fade/>
       </p:transition>
@@ -20621,7 +20693,7 @@
         <p:push/>
       </p:transition>
     </mc:Choice>
-    <mc:Fallback xmlns:ahyp="http://schemas.microsoft.com/office/drawing/2018/hyperlinkcolor" xmlns:p15="http://schemas.microsoft.com/office/powerpoint/2012/main" xmlns:com="http://schemas.openxmlformats.org/drawingml/2006/compatibility" xmlns:pvml="urn:schemas-microsoft-com:office:powerpoint" xmlns:v="urn:schemas-microsoft-com:vml" xmlns:o="urn:schemas-microsoft-com:office:office" xmlns:dgm="http://schemas.openxmlformats.org/drawingml/2006/diagram" xmlns:c="http://schemas.openxmlformats.org/drawingml/2006/chart" xmlns:mv="urn:schemas-microsoft-com:mac:vml" xmlns="">
+    <mc:Fallback xmlns="" xmlns:mv="urn:schemas-microsoft-com:mac:vml" xmlns:c="http://schemas.openxmlformats.org/drawingml/2006/chart" xmlns:dgm="http://schemas.openxmlformats.org/drawingml/2006/diagram" xmlns:o="urn:schemas-microsoft-com:office:office" xmlns:v="urn:schemas-microsoft-com:vml" xmlns:pvml="urn:schemas-microsoft-com:office:powerpoint" xmlns:com="http://schemas.openxmlformats.org/drawingml/2006/compatibility" xmlns:p15="http://schemas.microsoft.com/office/powerpoint/2012/main" xmlns:ahyp="http://schemas.microsoft.com/office/drawing/2018/hyperlinkcolor">
       <p:transition spd="slow">
         <p:fade/>
       </p:transition>
@@ -21098,7 +21170,7 @@
         <p:push/>
       </p:transition>
     </mc:Choice>
-    <mc:Fallback xmlns:ahyp="http://schemas.microsoft.com/office/drawing/2018/hyperlinkcolor" xmlns:p15="http://schemas.microsoft.com/office/powerpoint/2012/main" xmlns:com="http://schemas.openxmlformats.org/drawingml/2006/compatibility" xmlns:pvml="urn:schemas-microsoft-com:office:powerpoint" xmlns:v="urn:schemas-microsoft-com:vml" xmlns:o="urn:schemas-microsoft-com:office:office" xmlns:dgm="http://schemas.openxmlformats.org/drawingml/2006/diagram" xmlns:c="http://schemas.openxmlformats.org/drawingml/2006/chart" xmlns:mv="urn:schemas-microsoft-com:mac:vml" xmlns="">
+    <mc:Fallback xmlns="" xmlns:mv="urn:schemas-microsoft-com:mac:vml" xmlns:c="http://schemas.openxmlformats.org/drawingml/2006/chart" xmlns:dgm="http://schemas.openxmlformats.org/drawingml/2006/diagram" xmlns:o="urn:schemas-microsoft-com:office:office" xmlns:v="urn:schemas-microsoft-com:vml" xmlns:pvml="urn:schemas-microsoft-com:office:powerpoint" xmlns:com="http://schemas.openxmlformats.org/drawingml/2006/compatibility" xmlns:p15="http://schemas.microsoft.com/office/powerpoint/2012/main" xmlns:ahyp="http://schemas.microsoft.com/office/drawing/2018/hyperlinkcolor">
       <p:transition spd="slow">
         <p:fade/>
       </p:transition>
@@ -21778,7 +21850,7 @@
         <p:push/>
       </p:transition>
     </mc:Choice>
-    <mc:Fallback xmlns:ahyp="http://schemas.microsoft.com/office/drawing/2018/hyperlinkcolor" xmlns:p15="http://schemas.microsoft.com/office/powerpoint/2012/main" xmlns:com="http://schemas.openxmlformats.org/drawingml/2006/compatibility" xmlns:pvml="urn:schemas-microsoft-com:office:powerpoint" xmlns:v="urn:schemas-microsoft-com:vml" xmlns:o="urn:schemas-microsoft-com:office:office" xmlns:dgm="http://schemas.openxmlformats.org/drawingml/2006/diagram" xmlns:c="http://schemas.openxmlformats.org/drawingml/2006/chart" xmlns:mv="urn:schemas-microsoft-com:mac:vml" xmlns="">
+    <mc:Fallback xmlns="" xmlns:mv="urn:schemas-microsoft-com:mac:vml" xmlns:c="http://schemas.openxmlformats.org/drawingml/2006/chart" xmlns:dgm="http://schemas.openxmlformats.org/drawingml/2006/diagram" xmlns:o="urn:schemas-microsoft-com:office:office" xmlns:v="urn:schemas-microsoft-com:vml" xmlns:pvml="urn:schemas-microsoft-com:office:powerpoint" xmlns:com="http://schemas.openxmlformats.org/drawingml/2006/compatibility" xmlns:p15="http://schemas.microsoft.com/office/powerpoint/2012/main" xmlns:ahyp="http://schemas.microsoft.com/office/drawing/2018/hyperlinkcolor">
       <p:transition spd="slow">
         <p:fade/>
       </p:transition>
@@ -22843,7 +22915,7 @@
         <p:push/>
       </p:transition>
     </mc:Choice>
-    <mc:Fallback xmlns:ahyp="http://schemas.microsoft.com/office/drawing/2018/hyperlinkcolor" xmlns:p15="http://schemas.microsoft.com/office/powerpoint/2012/main" xmlns:com="http://schemas.openxmlformats.org/drawingml/2006/compatibility" xmlns:pvml="urn:schemas-microsoft-com:office:powerpoint" xmlns:v="urn:schemas-microsoft-com:vml" xmlns:o="urn:schemas-microsoft-com:office:office" xmlns:dgm="http://schemas.openxmlformats.org/drawingml/2006/diagram" xmlns:c="http://schemas.openxmlformats.org/drawingml/2006/chart" xmlns:mv="urn:schemas-microsoft-com:mac:vml" xmlns="">
+    <mc:Fallback xmlns="" xmlns:mv="urn:schemas-microsoft-com:mac:vml" xmlns:c="http://schemas.openxmlformats.org/drawingml/2006/chart" xmlns:dgm="http://schemas.openxmlformats.org/drawingml/2006/diagram" xmlns:o="urn:schemas-microsoft-com:office:office" xmlns:v="urn:schemas-microsoft-com:vml" xmlns:pvml="urn:schemas-microsoft-com:office:powerpoint" xmlns:com="http://schemas.openxmlformats.org/drawingml/2006/compatibility" xmlns:p15="http://schemas.microsoft.com/office/powerpoint/2012/main" xmlns:ahyp="http://schemas.microsoft.com/office/drawing/2018/hyperlinkcolor">
       <p:transition spd="slow">
         <p:fade/>
       </p:transition>
@@ -24007,7 +24079,7 @@
         <p:push/>
       </p:transition>
     </mc:Choice>
-    <mc:Fallback xmlns:ahyp="http://schemas.microsoft.com/office/drawing/2018/hyperlinkcolor" xmlns:p15="http://schemas.microsoft.com/office/powerpoint/2012/main" xmlns:com="http://schemas.openxmlformats.org/drawingml/2006/compatibility" xmlns:pvml="urn:schemas-microsoft-com:office:powerpoint" xmlns:v="urn:schemas-microsoft-com:vml" xmlns:o="urn:schemas-microsoft-com:office:office" xmlns:dgm="http://schemas.openxmlformats.org/drawingml/2006/diagram" xmlns:c="http://schemas.openxmlformats.org/drawingml/2006/chart" xmlns:mv="urn:schemas-microsoft-com:mac:vml" xmlns="">
+    <mc:Fallback xmlns="" xmlns:mv="urn:schemas-microsoft-com:mac:vml" xmlns:c="http://schemas.openxmlformats.org/drawingml/2006/chart" xmlns:dgm="http://schemas.openxmlformats.org/drawingml/2006/diagram" xmlns:o="urn:schemas-microsoft-com:office:office" xmlns:v="urn:schemas-microsoft-com:vml" xmlns:pvml="urn:schemas-microsoft-com:office:powerpoint" xmlns:com="http://schemas.openxmlformats.org/drawingml/2006/compatibility" xmlns:p15="http://schemas.microsoft.com/office/powerpoint/2012/main" xmlns:ahyp="http://schemas.microsoft.com/office/drawing/2018/hyperlinkcolor">
       <p:transition spd="slow">
         <p:fade/>
       </p:transition>
@@ -24581,7 +24653,7 @@
         <p:push/>
       </p:transition>
     </mc:Choice>
-    <mc:Fallback xmlns:ahyp="http://schemas.microsoft.com/office/drawing/2018/hyperlinkcolor" xmlns:p15="http://schemas.microsoft.com/office/powerpoint/2012/main" xmlns:com="http://schemas.openxmlformats.org/drawingml/2006/compatibility" xmlns:pvml="urn:schemas-microsoft-com:office:powerpoint" xmlns:v="urn:schemas-microsoft-com:vml" xmlns:o="urn:schemas-microsoft-com:office:office" xmlns:dgm="http://schemas.openxmlformats.org/drawingml/2006/diagram" xmlns:c="http://schemas.openxmlformats.org/drawingml/2006/chart" xmlns:mv="urn:schemas-microsoft-com:mac:vml" xmlns="">
+    <mc:Fallback xmlns="" xmlns:mv="urn:schemas-microsoft-com:mac:vml" xmlns:c="http://schemas.openxmlformats.org/drawingml/2006/chart" xmlns:dgm="http://schemas.openxmlformats.org/drawingml/2006/diagram" xmlns:o="urn:schemas-microsoft-com:office:office" xmlns:v="urn:schemas-microsoft-com:vml" xmlns:pvml="urn:schemas-microsoft-com:office:powerpoint" xmlns:com="http://schemas.openxmlformats.org/drawingml/2006/compatibility" xmlns:p15="http://schemas.microsoft.com/office/powerpoint/2012/main" xmlns:ahyp="http://schemas.microsoft.com/office/drawing/2018/hyperlinkcolor">
       <p:transition spd="slow">
         <p:fade/>
       </p:transition>
@@ -24914,7 +24986,7 @@
               <a:buNone/>
             </a:pPr>
             <a:r>
-              <a:rPr lang="en-US" sz="1200">
+              <a:rPr lang="en-US" sz="1200" dirty="0">
                 <a:solidFill>
                   <a:schemeClr val="dk1"/>
                 </a:solidFill>
@@ -24923,9 +24995,21 @@
                 <a:cs typeface="Arial"/>
                 <a:sym typeface="Arial"/>
               </a:rPr>
-              <a:t>ALTER TABLE table_name</a:t>
+              <a:t>ALTER TABLE </a:t>
             </a:r>
-            <a:endParaRPr sz="1200">
+            <a:r>
+              <a:rPr lang="en-US" sz="1200" dirty="0" err="1">
+                <a:solidFill>
+                  <a:schemeClr val="dk1"/>
+                </a:solidFill>
+                <a:latin typeface="Arial"/>
+                <a:ea typeface="Arial"/>
+                <a:cs typeface="Arial"/>
+                <a:sym typeface="Arial"/>
+              </a:rPr>
+              <a:t>table_name</a:t>
+            </a:r>
+            <a:endParaRPr sz="1200" dirty="0">
               <a:solidFill>
                 <a:schemeClr val="dk1"/>
               </a:solidFill>
@@ -24946,7 +25030,7 @@
               <a:buNone/>
             </a:pPr>
             <a:r>
-              <a:rPr lang="en-US" sz="1200">
+              <a:rPr lang="en-US" sz="1200" dirty="0">
                 <a:solidFill>
                   <a:schemeClr val="dk1"/>
                 </a:solidFill>
@@ -24955,9 +25039,33 @@
                 <a:cs typeface="Arial"/>
                 <a:sym typeface="Arial"/>
               </a:rPr>
-              <a:t>ADD column_name datatype;</a:t>
+              <a:t>ADD </a:t>
             </a:r>
-            <a:endParaRPr sz="1200">
+            <a:r>
+              <a:rPr lang="en-US" sz="1200" dirty="0" err="1">
+                <a:solidFill>
+                  <a:schemeClr val="dk1"/>
+                </a:solidFill>
+                <a:latin typeface="Arial"/>
+                <a:ea typeface="Arial"/>
+                <a:cs typeface="Arial"/>
+                <a:sym typeface="Arial"/>
+              </a:rPr>
+              <a:t>column_name</a:t>
+            </a:r>
+            <a:r>
+              <a:rPr lang="en-US" sz="1200" dirty="0">
+                <a:solidFill>
+                  <a:schemeClr val="dk1"/>
+                </a:solidFill>
+                <a:latin typeface="Arial"/>
+                <a:ea typeface="Arial"/>
+                <a:cs typeface="Arial"/>
+                <a:sym typeface="Arial"/>
+              </a:rPr>
+              <a:t> datatype;</a:t>
+            </a:r>
+            <a:endParaRPr sz="1200" dirty="0">
               <a:solidFill>
                 <a:schemeClr val="dk1"/>
               </a:solidFill>
@@ -25012,7 +25120,7 @@
               <a:buNone/>
             </a:pPr>
             <a:r>
-              <a:rPr lang="en-US" sz="2000" b="1">
+              <a:rPr lang="en-US" sz="2000" b="1" dirty="0">
                 <a:solidFill>
                   <a:srgbClr val="002060"/>
                 </a:solidFill>
@@ -25024,7 +25132,7 @@
               <a:t>Example</a:t>
             </a:r>
             <a:r>
-              <a:rPr lang="en-US" sz="1600">
+              <a:rPr lang="en-US" sz="1600" dirty="0">
                 <a:solidFill>
                   <a:srgbClr val="002060"/>
                 </a:solidFill>
@@ -25035,7 +25143,7 @@
               </a:rPr>
               <a:t>:</a:t>
             </a:r>
-            <a:endParaRPr sz="1600" b="1">
+            <a:endParaRPr sz="1600" b="1" dirty="0">
               <a:solidFill>
                 <a:srgbClr val="002060"/>
               </a:solidFill>
@@ -25082,8 +25190,8 @@
         </p:nvSpPr>
         <p:spPr>
           <a:xfrm>
-            <a:off x="7952105" y="4602480"/>
-            <a:ext cx="3273425" cy="460375"/>
+            <a:off x="8229600" y="4632960"/>
+            <a:ext cx="2995930" cy="461624"/>
           </a:xfrm>
           <a:prstGeom prst="rect">
             <a:avLst/>
@@ -25109,7 +25217,7 @@
               <a:buNone/>
             </a:pPr>
             <a:r>
-              <a:rPr lang="en-US" sz="1200">
+              <a:rPr lang="en-US" sz="1200" dirty="0">
                 <a:solidFill>
                   <a:schemeClr val="dk1"/>
                 </a:solidFill>
@@ -25118,9 +25226,21 @@
                 <a:cs typeface="Arial"/>
                 <a:sym typeface="Arial"/>
               </a:rPr>
-              <a:t>ALTER TABLE jobSeeker</a:t>
+              <a:t>ALTER TABLE </a:t>
             </a:r>
-            <a:endParaRPr sz="1200">
+            <a:r>
+              <a:rPr lang="en-US" sz="1200" dirty="0" err="1">
+                <a:solidFill>
+                  <a:schemeClr val="dk1"/>
+                </a:solidFill>
+                <a:latin typeface="Arial"/>
+                <a:ea typeface="Arial"/>
+                <a:cs typeface="Arial"/>
+                <a:sym typeface="Arial"/>
+              </a:rPr>
+              <a:t>jobSeeker</a:t>
+            </a:r>
+            <a:endParaRPr sz="1200" dirty="0">
               <a:solidFill>
                 <a:schemeClr val="dk1"/>
               </a:solidFill>
@@ -25141,7 +25261,7 @@
               <a:buNone/>
             </a:pPr>
             <a:r>
-              <a:rPr lang="en-US" sz="1200">
+              <a:rPr lang="en-US" sz="1200" dirty="0">
                 <a:solidFill>
                   <a:schemeClr val="dk1"/>
                 </a:solidFill>
@@ -25152,7 +25272,7 @@
               </a:rPr>
               <a:t>ADD salary INT;</a:t>
             </a:r>
-            <a:endParaRPr sz="1200">
+            <a:endParaRPr sz="1200" dirty="0">
               <a:solidFill>
                 <a:schemeClr val="dk1"/>
               </a:solidFill>
@@ -25199,7 +25319,7 @@
               <a:buNone/>
             </a:pPr>
             <a:r>
-              <a:rPr lang="en-US" sz="1800" b="1">
+              <a:rPr lang="en-US" sz="1800" b="1" dirty="0">
                 <a:solidFill>
                   <a:schemeClr val="dk1"/>
                 </a:solidFill>
@@ -25210,7 +25330,7 @@
               </a:rPr>
               <a:t>Syntax</a:t>
             </a:r>
-            <a:endParaRPr sz="1800">
+            <a:endParaRPr sz="1800" dirty="0">
               <a:solidFill>
                 <a:schemeClr val="dk1"/>
               </a:solidFill>
@@ -25317,7 +25437,7 @@
         <p:push/>
       </p:transition>
     </mc:Choice>
-    <mc:Fallback xmlns:ahyp="http://schemas.microsoft.com/office/drawing/2018/hyperlinkcolor" xmlns:p15="http://schemas.microsoft.com/office/powerpoint/2012/main" xmlns:com="http://schemas.openxmlformats.org/drawingml/2006/compatibility" xmlns:pvml="urn:schemas-microsoft-com:office:powerpoint" xmlns:v="urn:schemas-microsoft-com:vml" xmlns:o="urn:schemas-microsoft-com:office:office" xmlns:dgm="http://schemas.openxmlformats.org/drawingml/2006/diagram" xmlns:c="http://schemas.openxmlformats.org/drawingml/2006/chart" xmlns:mv="urn:schemas-microsoft-com:mac:vml" xmlns="">
+    <mc:Fallback xmlns="" xmlns:mv="urn:schemas-microsoft-com:mac:vml" xmlns:c="http://schemas.openxmlformats.org/drawingml/2006/chart" xmlns:dgm="http://schemas.openxmlformats.org/drawingml/2006/diagram" xmlns:o="urn:schemas-microsoft-com:office:office" xmlns:v="urn:schemas-microsoft-com:vml" xmlns:pvml="urn:schemas-microsoft-com:office:powerpoint" xmlns:com="http://schemas.openxmlformats.org/drawingml/2006/compatibility" xmlns:p15="http://schemas.microsoft.com/office/powerpoint/2012/main" xmlns:ahyp="http://schemas.microsoft.com/office/drawing/2018/hyperlinkcolor">
       <p:transition spd="slow">
         <p:fade/>
       </p:transition>
@@ -25857,7 +25977,7 @@
               <a:buNone/>
             </a:pPr>
             <a:r>
-              <a:rPr lang="en-US" sz="4000" b="1">
+              <a:rPr lang="en-US" sz="4000" b="1" dirty="0">
                 <a:solidFill>
                   <a:srgbClr val="002060"/>
                 </a:solidFill>
@@ -25868,7 +25988,7 @@
               </a:rPr>
               <a:t>3. Drop Statement:</a:t>
             </a:r>
-            <a:endParaRPr sz="4000" b="1">
+            <a:endParaRPr sz="4000" b="1" dirty="0">
               <a:solidFill>
                 <a:srgbClr val="002060"/>
               </a:solidFill>
@@ -25891,7 +26011,7 @@
         <p:push/>
       </p:transition>
     </mc:Choice>
-    <mc:Fallback xmlns:ahyp="http://schemas.microsoft.com/office/drawing/2018/hyperlinkcolor" xmlns:p15="http://schemas.microsoft.com/office/powerpoint/2012/main" xmlns:com="http://schemas.openxmlformats.org/drawingml/2006/compatibility" xmlns:pvml="urn:schemas-microsoft-com:office:powerpoint" xmlns:v="urn:schemas-microsoft-com:vml" xmlns:o="urn:schemas-microsoft-com:office:office" xmlns:dgm="http://schemas.openxmlformats.org/drawingml/2006/diagram" xmlns:c="http://schemas.openxmlformats.org/drawingml/2006/chart" xmlns:mv="urn:schemas-microsoft-com:mac:vml" xmlns="">
+    <mc:Fallback xmlns="" xmlns:mv="urn:schemas-microsoft-com:mac:vml" xmlns:c="http://schemas.openxmlformats.org/drawingml/2006/chart" xmlns:dgm="http://schemas.openxmlformats.org/drawingml/2006/diagram" xmlns:o="urn:schemas-microsoft-com:office:office" xmlns:v="urn:schemas-microsoft-com:vml" xmlns:pvml="urn:schemas-microsoft-com:office:powerpoint" xmlns:com="http://schemas.openxmlformats.org/drawingml/2006/compatibility" xmlns:p15="http://schemas.microsoft.com/office/powerpoint/2012/main" xmlns:ahyp="http://schemas.microsoft.com/office/drawing/2018/hyperlinkcolor">
       <p:transition spd="slow">
         <p:fade/>
       </p:transition>
@@ -26171,7 +26291,7 @@
               <a:buNone/>
             </a:pPr>
             <a:r>
-              <a:rPr lang="en-US" sz="1200">
+              <a:rPr lang="en-US" sz="1200" dirty="0">
                 <a:solidFill>
                   <a:schemeClr val="dk1"/>
                 </a:solidFill>
@@ -26180,9 +26300,33 @@
                 <a:cs typeface="Arial"/>
                 <a:sym typeface="Arial"/>
               </a:rPr>
-              <a:t>DROP TABLE table_name;</a:t>
+              <a:t>DROP TABLE </a:t>
             </a:r>
-            <a:endParaRPr sz="1200">
+            <a:r>
+              <a:rPr lang="en-US" sz="1200" dirty="0" err="1">
+                <a:solidFill>
+                  <a:schemeClr val="dk1"/>
+                </a:solidFill>
+                <a:latin typeface="Arial"/>
+                <a:ea typeface="Arial"/>
+                <a:cs typeface="Arial"/>
+                <a:sym typeface="Arial"/>
+              </a:rPr>
+              <a:t>table_name</a:t>
+            </a:r>
+            <a:r>
+              <a:rPr lang="en-US" sz="1200" dirty="0">
+                <a:solidFill>
+                  <a:schemeClr val="dk1"/>
+                </a:solidFill>
+                <a:latin typeface="Arial"/>
+                <a:ea typeface="Arial"/>
+                <a:cs typeface="Arial"/>
+                <a:sym typeface="Arial"/>
+              </a:rPr>
+              <a:t>;</a:t>
+            </a:r>
+            <a:endParaRPr sz="1200" dirty="0">
               <a:solidFill>
                 <a:schemeClr val="dk1"/>
               </a:solidFill>
@@ -26202,7 +26346,7 @@
         </p:nvSpPr>
         <p:spPr>
           <a:xfrm>
-            <a:off x="7324725" y="3456940"/>
+            <a:off x="7397877" y="3475355"/>
             <a:ext cx="2540000" cy="429895"/>
           </a:xfrm>
           <a:prstGeom prst="rect">
@@ -26237,7 +26381,7 @@
               <a:buNone/>
             </a:pPr>
             <a:r>
-              <a:rPr lang="en-US" sz="2000" b="1">
+              <a:rPr lang="en-US" sz="2000" b="1" dirty="0">
                 <a:solidFill>
                   <a:srgbClr val="002060"/>
                 </a:solidFill>
@@ -26249,7 +26393,7 @@
               <a:t>Example</a:t>
             </a:r>
             <a:r>
-              <a:rPr lang="en-US" sz="1600">
+              <a:rPr lang="en-US" sz="1600" dirty="0">
                 <a:solidFill>
                   <a:srgbClr val="002060"/>
                 </a:solidFill>
@@ -26260,7 +26404,7 @@
               </a:rPr>
               <a:t>:</a:t>
             </a:r>
-            <a:endParaRPr sz="1600" b="1">
+            <a:endParaRPr sz="1600" b="1" dirty="0">
               <a:solidFill>
                 <a:srgbClr val="002060"/>
               </a:solidFill>
@@ -26334,7 +26478,7 @@
               <a:buNone/>
             </a:pPr>
             <a:r>
-              <a:rPr lang="en-US" sz="1200">
+              <a:rPr lang="en-US" sz="1200" dirty="0">
                 <a:solidFill>
                   <a:schemeClr val="dk1"/>
                 </a:solidFill>
@@ -26343,9 +26487,33 @@
                 <a:cs typeface="Arial"/>
                 <a:sym typeface="Arial"/>
               </a:rPr>
-              <a:t>DROP TABLE jobSeeker;</a:t>
+              <a:t>DROP TABLE </a:t>
             </a:r>
-            <a:endParaRPr sz="1200">
+            <a:r>
+              <a:rPr lang="en-US" sz="1200" dirty="0" err="1">
+                <a:solidFill>
+                  <a:schemeClr val="dk1"/>
+                </a:solidFill>
+                <a:latin typeface="Arial"/>
+                <a:ea typeface="Arial"/>
+                <a:cs typeface="Arial"/>
+                <a:sym typeface="Arial"/>
+              </a:rPr>
+              <a:t>jobSeeker</a:t>
+            </a:r>
+            <a:r>
+              <a:rPr lang="en-US" sz="1200" dirty="0">
+                <a:solidFill>
+                  <a:schemeClr val="dk1"/>
+                </a:solidFill>
+                <a:latin typeface="Arial"/>
+                <a:ea typeface="Arial"/>
+                <a:cs typeface="Arial"/>
+                <a:sym typeface="Arial"/>
+              </a:rPr>
+              <a:t>;</a:t>
+            </a:r>
+            <a:endParaRPr sz="1200" dirty="0">
               <a:solidFill>
                 <a:schemeClr val="dk1"/>
               </a:solidFill>
@@ -26392,7 +26560,7 @@
               <a:buNone/>
             </a:pPr>
             <a:r>
-              <a:rPr lang="en-US" sz="1800" b="1">
+              <a:rPr lang="en-US" sz="1800" b="1" dirty="0">
                 <a:solidFill>
                   <a:schemeClr val="dk1"/>
                 </a:solidFill>
@@ -26403,7 +26571,7 @@
               </a:rPr>
               <a:t>Syntax</a:t>
             </a:r>
-            <a:endParaRPr sz="1800">
+            <a:endParaRPr sz="1800" dirty="0">
               <a:solidFill>
                 <a:schemeClr val="dk1"/>
               </a:solidFill>
@@ -26510,7 +26678,7 @@
         <p:push/>
       </p:transition>
     </mc:Choice>
-    <mc:Fallback xmlns:ahyp="http://schemas.microsoft.com/office/drawing/2018/hyperlinkcolor" xmlns:p15="http://schemas.microsoft.com/office/powerpoint/2012/main" xmlns:com="http://schemas.openxmlformats.org/drawingml/2006/compatibility" xmlns:pvml="urn:schemas-microsoft-com:office:powerpoint" xmlns:v="urn:schemas-microsoft-com:vml" xmlns:o="urn:schemas-microsoft-com:office:office" xmlns:dgm="http://schemas.openxmlformats.org/drawingml/2006/diagram" xmlns:c="http://schemas.openxmlformats.org/drawingml/2006/chart" xmlns:mv="urn:schemas-microsoft-com:mac:vml" xmlns="">
+    <mc:Fallback xmlns="" xmlns:mv="urn:schemas-microsoft-com:mac:vml" xmlns:c="http://schemas.openxmlformats.org/drawingml/2006/chart" xmlns:dgm="http://schemas.openxmlformats.org/drawingml/2006/diagram" xmlns:o="urn:schemas-microsoft-com:office:office" xmlns:v="urn:schemas-microsoft-com:vml" xmlns:pvml="urn:schemas-microsoft-com:office:powerpoint" xmlns:com="http://schemas.openxmlformats.org/drawingml/2006/compatibility" xmlns:p15="http://schemas.microsoft.com/office/powerpoint/2012/main" xmlns:ahyp="http://schemas.microsoft.com/office/drawing/2018/hyperlinkcolor">
       <p:transition spd="slow">
         <p:fade/>
       </p:transition>
